--- a/정경주 강의 노트.pptx
+++ b/정경주 강의 노트.pptx
@@ -23,6 +23,10 @@
     <p:sldId id="288" r:id="rId17"/>
     <p:sldId id="289" r:id="rId18"/>
     <p:sldId id="290" r:id="rId19"/>
+    <p:sldId id="294" r:id="rId20"/>
+    <p:sldId id="291" r:id="rId21"/>
+    <p:sldId id="292" r:id="rId22"/>
+    <p:sldId id="293" r:id="rId23"/>
   </p:sldIdLst>
   <p:sldSz cx="12192000" cy="6858000"/>
   <p:notesSz cx="6858000" cy="9144000"/>
@@ -276,7 +280,7 @@
           <a:p>
             <a:fld id="{21DBECDD-369D-4049-86E2-F7E0DFA70B58}" type="datetimeFigureOut">
               <a:rPr kumimoji="1" lang="ko-KR" altLang="en-US" smtClean="0"/>
-              <a:t>2024. 8. 22.</a:t>
+              <a:t>2024. 8. 24.</a:t>
             </a:fld>
             <a:endParaRPr kumimoji="1" lang="ko-KR" altLang="en-US"/>
           </a:p>
@@ -449,7 +453,7 @@
           <a:p>
             <a:fld id="{21DBECDD-369D-4049-86E2-F7E0DFA70B58}" type="datetimeFigureOut">
               <a:rPr kumimoji="1" lang="ko-KR" altLang="en-US" smtClean="0"/>
-              <a:t>2024. 8. 22.</a:t>
+              <a:t>2024. 8. 24.</a:t>
             </a:fld>
             <a:endParaRPr kumimoji="1" lang="ko-KR" altLang="en-US"/>
           </a:p>
@@ -632,7 +636,7 @@
           <a:p>
             <a:fld id="{21DBECDD-369D-4049-86E2-F7E0DFA70B58}" type="datetimeFigureOut">
               <a:rPr kumimoji="1" lang="ko-KR" altLang="en-US" smtClean="0"/>
-              <a:t>2024. 8. 22.</a:t>
+              <a:t>2024. 8. 24.</a:t>
             </a:fld>
             <a:endParaRPr kumimoji="1" lang="ko-KR" altLang="en-US"/>
           </a:p>
@@ -805,7 +809,7 @@
           <a:p>
             <a:fld id="{21DBECDD-369D-4049-86E2-F7E0DFA70B58}" type="datetimeFigureOut">
               <a:rPr kumimoji="1" lang="ko-KR" altLang="en-US" smtClean="0"/>
-              <a:t>2024. 8. 22.</a:t>
+              <a:t>2024. 8. 24.</a:t>
             </a:fld>
             <a:endParaRPr kumimoji="1" lang="ko-KR" altLang="en-US"/>
           </a:p>
@@ -1083,7 +1087,7 @@
           <a:p>
             <a:fld id="{21DBECDD-369D-4049-86E2-F7E0DFA70B58}" type="datetimeFigureOut">
               <a:rPr kumimoji="1" lang="ko-KR" altLang="en-US" smtClean="0"/>
-              <a:t>2024. 8. 22.</a:t>
+              <a:t>2024. 8. 24.</a:t>
             </a:fld>
             <a:endParaRPr kumimoji="1" lang="ko-KR" altLang="en-US"/>
           </a:p>
@@ -1298,7 +1302,7 @@
           <a:p>
             <a:fld id="{21DBECDD-369D-4049-86E2-F7E0DFA70B58}" type="datetimeFigureOut">
               <a:rPr kumimoji="1" lang="ko-KR" altLang="en-US" smtClean="0"/>
-              <a:t>2024. 8. 22.</a:t>
+              <a:t>2024. 8. 24.</a:t>
             </a:fld>
             <a:endParaRPr kumimoji="1" lang="ko-KR" altLang="en-US"/>
           </a:p>
@@ -1666,7 +1670,7 @@
           <a:p>
             <a:fld id="{21DBECDD-369D-4049-86E2-F7E0DFA70B58}" type="datetimeFigureOut">
               <a:rPr kumimoji="1" lang="ko-KR" altLang="en-US" smtClean="0"/>
-              <a:t>2024. 8. 22.</a:t>
+              <a:t>2024. 8. 24.</a:t>
             </a:fld>
             <a:endParaRPr kumimoji="1" lang="ko-KR" altLang="en-US"/>
           </a:p>
@@ -1807,7 +1811,7 @@
           <a:p>
             <a:fld id="{21DBECDD-369D-4049-86E2-F7E0DFA70B58}" type="datetimeFigureOut">
               <a:rPr kumimoji="1" lang="ko-KR" altLang="en-US" smtClean="0"/>
-              <a:t>2024. 8. 22.</a:t>
+              <a:t>2024. 8. 24.</a:t>
             </a:fld>
             <a:endParaRPr kumimoji="1" lang="ko-KR" altLang="en-US"/>
           </a:p>
@@ -1920,7 +1924,7 @@
           <a:p>
             <a:fld id="{21DBECDD-369D-4049-86E2-F7E0DFA70B58}" type="datetimeFigureOut">
               <a:rPr kumimoji="1" lang="ko-KR" altLang="en-US" smtClean="0"/>
-              <a:t>2024. 8. 22.</a:t>
+              <a:t>2024. 8. 24.</a:t>
             </a:fld>
             <a:endParaRPr kumimoji="1" lang="ko-KR" altLang="en-US"/>
           </a:p>
@@ -2209,7 +2213,7 @@
           <a:p>
             <a:fld id="{21DBECDD-369D-4049-86E2-F7E0DFA70B58}" type="datetimeFigureOut">
               <a:rPr kumimoji="1" lang="ko-KR" altLang="en-US" smtClean="0"/>
-              <a:t>2024. 8. 22.</a:t>
+              <a:t>2024. 8. 24.</a:t>
             </a:fld>
             <a:endParaRPr kumimoji="1" lang="ko-KR" altLang="en-US"/>
           </a:p>
@@ -2500,7 +2504,7 @@
           <a:p>
             <a:fld id="{21DBECDD-369D-4049-86E2-F7E0DFA70B58}" type="datetimeFigureOut">
               <a:rPr kumimoji="1" lang="ko-KR" altLang="en-US" smtClean="0"/>
-              <a:t>2024. 8. 22.</a:t>
+              <a:t>2024. 8. 24.</a:t>
             </a:fld>
             <a:endParaRPr kumimoji="1" lang="ko-KR" altLang="en-US"/>
           </a:p>
@@ -2716,7 +2720,7 @@
           <a:p>
             <a:fld id="{21DBECDD-369D-4049-86E2-F7E0DFA70B58}" type="datetimeFigureOut">
               <a:rPr kumimoji="1" lang="ko-KR" altLang="en-US" smtClean="0"/>
-              <a:t>2024. 8. 22.</a:t>
+              <a:t>2024. 8. 24.</a:t>
             </a:fld>
             <a:endParaRPr kumimoji="1" lang="ko-KR" altLang="en-US"/>
           </a:p>
@@ -3160,8 +3164,12 @@
             </a:r>
             <a:r>
               <a:rPr kumimoji="1" lang="ko-KR" altLang="en-US" dirty="0"/>
-              <a:t> 강의 노트</a:t>
-            </a:r>
+              <a:t> 강의 노트 </a:t>
+            </a:r>
+            <a:br>
+              <a:rPr kumimoji="1" lang="en-US" altLang="ko-KR" dirty="0"/>
+            </a:br>
+            <a:endParaRPr kumimoji="1" lang="ko-KR" altLang="en-US" dirty="0"/>
           </a:p>
         </p:txBody>
       </p:sp>
@@ -6976,6 +6984,235 @@
 </p:sld>
 </file>
 
+<file path=ppt/slides/slide19.xml><?xml version="1.0" encoding="utf-8"?>
+<p:sld xmlns:a="http://schemas.openxmlformats.org/drawingml/2006/main" xmlns:r="http://schemas.openxmlformats.org/officeDocument/2006/relationships" xmlns:p="http://schemas.openxmlformats.org/presentationml/2006/main">
+  <p:cSld>
+    <p:spTree>
+      <p:nvGrpSpPr>
+        <p:cNvPr id="1" name=""/>
+        <p:cNvGrpSpPr/>
+        <p:nvPr/>
+      </p:nvGrpSpPr>
+      <p:grpSpPr>
+        <a:xfrm>
+          <a:off x="0" y="0"/>
+          <a:ext cx="0" cy="0"/>
+          <a:chOff x="0" y="0"/>
+          <a:chExt cx="0" cy="0"/>
+        </a:xfrm>
+      </p:grpSpPr>
+      <p:sp>
+        <p:nvSpPr>
+          <p:cNvPr id="2" name="제목 1">
+            <a:extLst>
+              <a:ext uri="{FF2B5EF4-FFF2-40B4-BE49-F238E27FC236}">
+                <a16:creationId xmlns:a16="http://schemas.microsoft.com/office/drawing/2014/main" id="{C1C90744-CF29-034C-BD6B-A496CAF6B0DF}"/>
+              </a:ext>
+            </a:extLst>
+          </p:cNvPr>
+          <p:cNvSpPr>
+            <a:spLocks noGrp="1"/>
+          </p:cNvSpPr>
+          <p:nvPr>
+            <p:ph type="title"/>
+          </p:nvPr>
+        </p:nvSpPr>
+        <p:spPr/>
+        <p:txBody>
+          <a:bodyPr/>
+          <a:lstStyle/>
+          <a:p>
+            <a:r>
+              <a:rPr kumimoji="1" lang="ko-KR" altLang="en-US" dirty="0"/>
+              <a:t>기억력과 관계가 있나</a:t>
+            </a:r>
+            <a:r>
+              <a:rPr kumimoji="1" lang="en-US" altLang="ko-KR" dirty="0"/>
+              <a:t>?</a:t>
+            </a:r>
+            <a:endParaRPr kumimoji="1" lang="ko-KR" altLang="en-US" dirty="0"/>
+          </a:p>
+        </p:txBody>
+      </p:sp>
+      <p:sp>
+        <p:nvSpPr>
+          <p:cNvPr id="3" name="내용 개체 틀 2">
+            <a:extLst>
+              <a:ext uri="{FF2B5EF4-FFF2-40B4-BE49-F238E27FC236}">
+                <a16:creationId xmlns:a16="http://schemas.microsoft.com/office/drawing/2014/main" id="{06160006-CEA6-9748-9B22-971AFB168A05}"/>
+              </a:ext>
+            </a:extLst>
+          </p:cNvPr>
+          <p:cNvSpPr>
+            <a:spLocks noGrp="1"/>
+          </p:cNvSpPr>
+          <p:nvPr>
+            <p:ph idx="1"/>
+          </p:nvPr>
+        </p:nvSpPr>
+        <p:spPr/>
+        <p:txBody>
+          <a:bodyPr/>
+          <a:lstStyle/>
+          <a:p>
+            <a:r>
+              <a:rPr kumimoji="1" lang="en-US" altLang="ko-KR" b="1" dirty="0"/>
+              <a:t>50% </a:t>
+            </a:r>
+            <a:r>
+              <a:rPr kumimoji="1" lang="ko-KR" altLang="en-US" b="1" dirty="0"/>
+              <a:t>정도는 기억</a:t>
+            </a:r>
+            <a:r>
+              <a:rPr kumimoji="1" lang="ko-KR" altLang="en-US" dirty="0"/>
+              <a:t>이 있어야 바로 어떤 내용인지 확인이 가능하구요</a:t>
+            </a:r>
+            <a:r>
+              <a:rPr kumimoji="1" lang="en-US" altLang="ko-KR" dirty="0"/>
+              <a:t>. </a:t>
+            </a:r>
+            <a:r>
+              <a:rPr kumimoji="1" lang="ko-KR" altLang="en-US" dirty="0" err="1"/>
+              <a:t>가쿠인하셨으면은</a:t>
+            </a:r>
+            <a:r>
+              <a:rPr kumimoji="1" lang="ko-KR" altLang="en-US" dirty="0"/>
+              <a:t> 바로 </a:t>
+            </a:r>
+            <a:r>
+              <a:rPr kumimoji="1" lang="ko-KR" altLang="en-US" dirty="0" err="1"/>
+              <a:t>아시는거라고</a:t>
+            </a:r>
+            <a:r>
+              <a:rPr kumimoji="1" lang="ko-KR" altLang="en-US" dirty="0"/>
+              <a:t> 믿은 다음에 자료를 슬며시 조금 보시면</a:t>
+            </a:r>
+            <a:r>
+              <a:rPr kumimoji="1" lang="en-US" altLang="ko-KR" dirty="0"/>
+              <a:t>, </a:t>
+            </a:r>
+            <a:r>
+              <a:rPr kumimoji="1" lang="ko-KR" altLang="en-US" b="1" dirty="0"/>
+              <a:t>외워진 것과 안 </a:t>
+            </a:r>
+            <a:r>
+              <a:rPr kumimoji="1" lang="ko-KR" altLang="en-US" b="1" dirty="0" err="1"/>
+              <a:t>외워진거라고</a:t>
+            </a:r>
+            <a:r>
+              <a:rPr kumimoji="1" lang="ko-KR" altLang="en-US" b="1" dirty="0"/>
+              <a:t> 나누지만 말고 보시면서 하시면 </a:t>
+            </a:r>
+            <a:r>
+              <a:rPr kumimoji="1" lang="ko-KR" altLang="en-US" b="1" dirty="0" err="1"/>
+              <a:t>되</a:t>
+            </a:r>
+            <a:r>
+              <a:rPr kumimoji="1" lang="ko-KR" altLang="en-US" dirty="0" err="1"/>
+              <a:t>시는거세요</a:t>
+            </a:r>
+            <a:r>
+              <a:rPr kumimoji="1" lang="en-US" altLang="ko-KR" dirty="0"/>
+              <a:t>.</a:t>
+            </a:r>
+          </a:p>
+          <a:p>
+            <a:endParaRPr kumimoji="1" lang="en-US" altLang="ko-KR" dirty="0"/>
+          </a:p>
+          <a:p>
+            <a:r>
+              <a:rPr kumimoji="1" lang="ko-KR" altLang="en-US" dirty="0"/>
+              <a:t>가 해커에게는 </a:t>
+            </a:r>
+            <a:r>
+              <a:rPr kumimoji="1" lang="ko-KR" altLang="en-US" dirty="0" err="1"/>
+              <a:t>아주아주아주아주아주아주아주아주아주</a:t>
+            </a:r>
+            <a:endParaRPr kumimoji="1" lang="en-US" altLang="ko-KR" dirty="0"/>
+          </a:p>
+          <a:p>
+            <a:r>
+              <a:rPr kumimoji="1" lang="ko-KR" altLang="en-US" dirty="0"/>
+              <a:t>아주</a:t>
+            </a:r>
+            <a:r>
+              <a:rPr kumimoji="1" lang="en-US" altLang="ko-KR" dirty="0"/>
+              <a:t>(</a:t>
+            </a:r>
+            <a:r>
+              <a:rPr kumimoji="1" lang="ko-KR" altLang="en-US" dirty="0"/>
+              <a:t>텐</a:t>
+            </a:r>
+            <a:r>
+              <a:rPr kumimoji="1" lang="en-US" altLang="ko-KR" dirty="0"/>
+              <a:t>) </a:t>
+            </a:r>
+            <a:r>
+              <a:rPr kumimoji="1" lang="ko-KR" altLang="en-US" sz="4000" b="1" u="sng" dirty="0"/>
+              <a:t>자료 관리</a:t>
+            </a:r>
+            <a:r>
+              <a:rPr kumimoji="1" lang="ko-KR" altLang="en-US" dirty="0"/>
+              <a:t>가 중요함</a:t>
+            </a:r>
+            <a:r>
+              <a:rPr kumimoji="1" lang="en-US" altLang="ko-KR" dirty="0"/>
+              <a:t>!</a:t>
+            </a:r>
+          </a:p>
+          <a:p>
+            <a:r>
+              <a:rPr kumimoji="1" lang="ko-KR" altLang="en-US" dirty="0"/>
+              <a:t>보유하고</a:t>
+            </a:r>
+            <a:r>
+              <a:rPr kumimoji="1" lang="en-US" altLang="ko-KR" dirty="0"/>
+              <a:t>, </a:t>
+            </a:r>
+            <a:r>
+              <a:rPr kumimoji="1" lang="ko-KR" altLang="en-US" i="1" u="sng" dirty="0"/>
+              <a:t>하드디스크 테라바이트로 쓰세요</a:t>
+            </a:r>
+            <a:r>
+              <a:rPr kumimoji="1" lang="en-US" altLang="ko-KR" i="1" u="sng" dirty="0"/>
+              <a:t>.</a:t>
+            </a:r>
+            <a:r>
+              <a:rPr kumimoji="1" lang="en-US" altLang="ko-KR" dirty="0"/>
+              <a:t> </a:t>
+            </a:r>
+            <a:r>
+              <a:rPr kumimoji="1" lang="ko-KR" altLang="en-US" dirty="0"/>
+              <a:t>외장 </a:t>
+            </a:r>
+            <a:r>
+              <a:rPr kumimoji="1" lang="en-US" altLang="ko-KR" dirty="0"/>
+              <a:t>USB</a:t>
+            </a:r>
+            <a:r>
+              <a:rPr kumimoji="1" lang="ko-KR" altLang="en-US" dirty="0"/>
+              <a:t>씁니다</a:t>
+            </a:r>
+            <a:endParaRPr kumimoji="1" lang="en-US" altLang="ko-KR" dirty="0"/>
+          </a:p>
+          <a:p>
+            <a:endParaRPr kumimoji="1" lang="ko-KR" altLang="en-US" dirty="0"/>
+          </a:p>
+        </p:txBody>
+      </p:sp>
+    </p:spTree>
+    <p:extLst>
+      <p:ext uri="{BB962C8B-B14F-4D97-AF65-F5344CB8AC3E}">
+        <p14:creationId xmlns:p14="http://schemas.microsoft.com/office/powerpoint/2010/main" val="234448497"/>
+      </p:ext>
+    </p:extLst>
+  </p:cSld>
+  <p:clrMapOvr>
+    <a:masterClrMapping/>
+  </p:clrMapOvr>
+</p:sld>
+</file>
+
 <file path=ppt/slides/slide2.xml><?xml version="1.0" encoding="utf-8"?>
 <p:sld xmlns:a="http://schemas.openxmlformats.org/drawingml/2006/main" xmlns:r="http://schemas.openxmlformats.org/officeDocument/2006/relationships" xmlns:p="http://schemas.openxmlformats.org/presentationml/2006/main">
   <p:cSld>
@@ -7466,6 +7703,759 @@
     <p:extLst>
       <p:ext uri="{BB962C8B-B14F-4D97-AF65-F5344CB8AC3E}">
         <p14:creationId xmlns:p14="http://schemas.microsoft.com/office/powerpoint/2010/main" val="3410064567"/>
+      </p:ext>
+    </p:extLst>
+  </p:cSld>
+  <p:clrMapOvr>
+    <a:masterClrMapping/>
+  </p:clrMapOvr>
+</p:sld>
+</file>
+
+<file path=ppt/slides/slide20.xml><?xml version="1.0" encoding="utf-8"?>
+<p:sld xmlns:a="http://schemas.openxmlformats.org/drawingml/2006/main" xmlns:r="http://schemas.openxmlformats.org/officeDocument/2006/relationships" xmlns:p="http://schemas.openxmlformats.org/presentationml/2006/main">
+  <p:cSld>
+    <p:spTree>
+      <p:nvGrpSpPr>
+        <p:cNvPr id="1" name=""/>
+        <p:cNvGrpSpPr/>
+        <p:nvPr/>
+      </p:nvGrpSpPr>
+      <p:grpSpPr>
+        <a:xfrm>
+          <a:off x="0" y="0"/>
+          <a:ext cx="0" cy="0"/>
+          <a:chOff x="0" y="0"/>
+          <a:chExt cx="0" cy="0"/>
+        </a:xfrm>
+      </p:grpSpPr>
+      <p:sp>
+        <p:nvSpPr>
+          <p:cNvPr id="2" name="제목 1">
+            <a:extLst>
+              <a:ext uri="{FF2B5EF4-FFF2-40B4-BE49-F238E27FC236}">
+                <a16:creationId xmlns:a16="http://schemas.microsoft.com/office/drawing/2014/main" id="{AE2DF1CD-4A03-F94C-B717-09CEC6C19B37}"/>
+              </a:ext>
+            </a:extLst>
+          </p:cNvPr>
+          <p:cNvSpPr>
+            <a:spLocks noGrp="1"/>
+          </p:cNvSpPr>
+          <p:nvPr>
+            <p:ph type="title"/>
+          </p:nvPr>
+        </p:nvSpPr>
+        <p:spPr/>
+        <p:txBody>
+          <a:bodyPr/>
+          <a:lstStyle/>
+          <a:p>
+            <a:r>
+              <a:rPr kumimoji="1" lang="en-US" altLang="ko-KR" dirty="0"/>
+              <a:t>-</a:t>
+            </a:r>
+            <a:r>
+              <a:rPr kumimoji="1" lang="ko-KR" altLang="en-US" dirty="0"/>
+              <a:t> 컴퓨터의 범위</a:t>
+            </a:r>
+          </a:p>
+        </p:txBody>
+      </p:sp>
+      <p:sp>
+        <p:nvSpPr>
+          <p:cNvPr id="3" name="내용 개체 틀 2">
+            <a:extLst>
+              <a:ext uri="{FF2B5EF4-FFF2-40B4-BE49-F238E27FC236}">
+                <a16:creationId xmlns:a16="http://schemas.microsoft.com/office/drawing/2014/main" id="{7E29C157-E816-0541-96D9-DF6585B85B65}"/>
+              </a:ext>
+            </a:extLst>
+          </p:cNvPr>
+          <p:cNvSpPr>
+            <a:spLocks noGrp="1"/>
+          </p:cNvSpPr>
+          <p:nvPr>
+            <p:ph idx="1"/>
+          </p:nvPr>
+        </p:nvSpPr>
+        <p:spPr/>
+        <p:txBody>
+          <a:bodyPr/>
+          <a:lstStyle/>
+          <a:p>
+            <a:r>
+              <a:rPr kumimoji="1" lang="ko-KR" altLang="en-US" dirty="0"/>
+              <a:t>스마트 장치</a:t>
+            </a:r>
+            <a:r>
+              <a:rPr kumimoji="1" lang="en-US" altLang="ko-KR" dirty="0"/>
+              <a:t>, PC </a:t>
+            </a:r>
+            <a:r>
+              <a:rPr kumimoji="1" lang="ko-KR" altLang="en-US" dirty="0" err="1"/>
+              <a:t>퍼스날</a:t>
+            </a:r>
+            <a:r>
+              <a:rPr kumimoji="1" lang="en-US" altLang="ko-KR" dirty="0"/>
+              <a:t>, </a:t>
+            </a:r>
+            <a:r>
+              <a:rPr kumimoji="1" lang="ko-KR" altLang="en-US" dirty="0"/>
+              <a:t>데이터 서버</a:t>
+            </a:r>
+            <a:r>
+              <a:rPr kumimoji="1" lang="en-US" altLang="ko-KR" dirty="0"/>
+              <a:t>, </a:t>
+            </a:r>
+            <a:r>
+              <a:rPr kumimoji="1" lang="ko-KR" altLang="en-US" dirty="0"/>
+              <a:t>어플리케이션 서버</a:t>
+            </a:r>
+            <a:r>
+              <a:rPr kumimoji="1" lang="en-US" altLang="ko-KR" dirty="0"/>
+              <a:t>, </a:t>
+            </a:r>
+            <a:r>
+              <a:rPr kumimoji="1" lang="ko-KR" altLang="en-US" dirty="0"/>
+              <a:t>백업 서버</a:t>
+            </a:r>
+            <a:r>
+              <a:rPr kumimoji="1" lang="en-US" altLang="ko-KR" dirty="0"/>
+              <a:t>, </a:t>
+            </a:r>
+            <a:r>
+              <a:rPr kumimoji="1" lang="ko-KR" altLang="en-US" dirty="0"/>
+              <a:t>휴대폰</a:t>
+            </a:r>
+            <a:r>
+              <a:rPr kumimoji="1" lang="en-US" altLang="ko-KR" dirty="0"/>
+              <a:t>, </a:t>
+            </a:r>
+            <a:r>
+              <a:rPr kumimoji="1" lang="ko-KR" altLang="en-US" dirty="0"/>
+              <a:t>전화기</a:t>
+            </a:r>
+            <a:r>
+              <a:rPr kumimoji="1" lang="en-US" altLang="ko-KR" dirty="0"/>
+              <a:t>, </a:t>
+            </a:r>
+            <a:r>
+              <a:rPr kumimoji="1" lang="ko-KR" altLang="en-US" dirty="0"/>
+              <a:t>텔레비전</a:t>
+            </a:r>
+            <a:r>
+              <a:rPr kumimoji="1" lang="en-US" altLang="ko-KR" dirty="0"/>
+              <a:t>, </a:t>
+            </a:r>
+            <a:r>
+              <a:rPr kumimoji="1" lang="ko-KR" altLang="en-US" dirty="0"/>
+              <a:t>영사기</a:t>
+            </a:r>
+            <a:r>
+              <a:rPr kumimoji="1" lang="en-US" altLang="ko-KR" dirty="0"/>
+              <a:t>, </a:t>
+            </a:r>
+            <a:r>
+              <a:rPr kumimoji="1" lang="ko-KR" altLang="en-US" dirty="0" err="1"/>
+              <a:t>캠카메라인터넷지원버전</a:t>
+            </a:r>
+            <a:r>
+              <a:rPr kumimoji="1" lang="en-US" altLang="ko-KR" dirty="0"/>
+              <a:t>, </a:t>
+            </a:r>
+            <a:r>
+              <a:rPr kumimoji="1" lang="ko-KR" altLang="en-US" dirty="0" err="1"/>
+              <a:t>수퍼컴퓨팅</a:t>
+            </a:r>
+            <a:r>
+              <a:rPr kumimoji="1" lang="ko-KR" altLang="en-US" dirty="0"/>
+              <a:t> 체계들</a:t>
+            </a:r>
+            <a:endParaRPr kumimoji="1" lang="en-US" altLang="ko-KR" dirty="0"/>
+          </a:p>
+          <a:p>
+            <a:endParaRPr kumimoji="1" lang="en-US" altLang="ko-KR" dirty="0"/>
+          </a:p>
+          <a:p>
+            <a:r>
+              <a:rPr kumimoji="1" lang="ko-KR" altLang="en-US" dirty="0"/>
+              <a:t>위에 언급한 모든 장치는 칩과 관계되고 </a:t>
+            </a:r>
+            <a:r>
+              <a:rPr kumimoji="1" lang="ko-KR" altLang="en-US" dirty="0" err="1"/>
+              <a:t>메모리와도</a:t>
+            </a:r>
+            <a:r>
+              <a:rPr kumimoji="1" lang="ko-KR" altLang="en-US" dirty="0"/>
+              <a:t> 관계되어 있어서 우리가 쉽게 생각하는 친숙한 </a:t>
+            </a:r>
+            <a:r>
+              <a:rPr kumimoji="1" lang="ko-KR" altLang="en-US" dirty="0" err="1"/>
+              <a:t>퍼스날</a:t>
+            </a:r>
+            <a:r>
+              <a:rPr kumimoji="1" lang="ko-KR" altLang="en-US" dirty="0"/>
+              <a:t> 컴퓨터와도 동일한 컴퓨터 기능을 보유하므로</a:t>
+            </a:r>
+            <a:r>
+              <a:rPr kumimoji="1" lang="en-US" altLang="ko-KR" dirty="0"/>
+              <a:t>, </a:t>
+            </a:r>
+            <a:r>
+              <a:rPr kumimoji="1" lang="ko-KR" altLang="en-US" dirty="0"/>
+              <a:t>컴퓨터로 분류할 수 있습니다</a:t>
+            </a:r>
+            <a:r>
+              <a:rPr kumimoji="1" lang="en-US" altLang="ko-KR" dirty="0"/>
+              <a:t>. </a:t>
+            </a:r>
+          </a:p>
+          <a:p>
+            <a:r>
+              <a:rPr kumimoji="1" lang="ko-KR" altLang="en-US" dirty="0"/>
+              <a:t>모두 컴퓨터로 인지하고 인식을 확인해 보시기 바랍니다 </a:t>
+            </a:r>
+          </a:p>
+        </p:txBody>
+      </p:sp>
+    </p:spTree>
+    <p:extLst>
+      <p:ext uri="{BB962C8B-B14F-4D97-AF65-F5344CB8AC3E}">
+        <p14:creationId xmlns:p14="http://schemas.microsoft.com/office/powerpoint/2010/main" val="907583620"/>
+      </p:ext>
+    </p:extLst>
+  </p:cSld>
+  <p:clrMapOvr>
+    <a:masterClrMapping/>
+  </p:clrMapOvr>
+</p:sld>
+</file>
+
+<file path=ppt/slides/slide21.xml><?xml version="1.0" encoding="utf-8"?>
+<p:sld xmlns:a="http://schemas.openxmlformats.org/drawingml/2006/main" xmlns:r="http://schemas.openxmlformats.org/officeDocument/2006/relationships" xmlns:p="http://schemas.openxmlformats.org/presentationml/2006/main">
+  <p:cSld>
+    <p:spTree>
+      <p:nvGrpSpPr>
+        <p:cNvPr id="1" name=""/>
+        <p:cNvGrpSpPr/>
+        <p:nvPr/>
+      </p:nvGrpSpPr>
+      <p:grpSpPr>
+        <a:xfrm>
+          <a:off x="0" y="0"/>
+          <a:ext cx="0" cy="0"/>
+          <a:chOff x="0" y="0"/>
+          <a:chExt cx="0" cy="0"/>
+        </a:xfrm>
+      </p:grpSpPr>
+      <p:sp>
+        <p:nvSpPr>
+          <p:cNvPr id="2" name="제목 1">
+            <a:extLst>
+              <a:ext uri="{FF2B5EF4-FFF2-40B4-BE49-F238E27FC236}">
+                <a16:creationId xmlns:a16="http://schemas.microsoft.com/office/drawing/2014/main" id="{4C2836CE-C402-0241-A9B9-F10AEED9E592}"/>
+              </a:ext>
+            </a:extLst>
+          </p:cNvPr>
+          <p:cNvSpPr>
+            <a:spLocks noGrp="1"/>
+          </p:cNvSpPr>
+          <p:nvPr>
+            <p:ph type="title"/>
+          </p:nvPr>
+        </p:nvSpPr>
+        <p:spPr/>
+        <p:txBody>
+          <a:bodyPr/>
+          <a:lstStyle/>
+          <a:p>
+            <a:r>
+              <a:rPr kumimoji="1" lang="en-US" altLang="ko-KR" dirty="0"/>
+              <a:t>ARM, ARMv64, MIPS, PPC???</a:t>
+            </a:r>
+            <a:endParaRPr kumimoji="1" lang="ko-KR" altLang="en-US" dirty="0"/>
+          </a:p>
+        </p:txBody>
+      </p:sp>
+      <p:sp>
+        <p:nvSpPr>
+          <p:cNvPr id="3" name="내용 개체 틀 2">
+            <a:extLst>
+              <a:ext uri="{FF2B5EF4-FFF2-40B4-BE49-F238E27FC236}">
+                <a16:creationId xmlns:a16="http://schemas.microsoft.com/office/drawing/2014/main" id="{211CD560-6C23-0E42-9EFB-B455E3D80D85}"/>
+              </a:ext>
+            </a:extLst>
+          </p:cNvPr>
+          <p:cNvSpPr>
+            <a:spLocks noGrp="1"/>
+          </p:cNvSpPr>
+          <p:nvPr>
+            <p:ph idx="1"/>
+          </p:nvPr>
+        </p:nvSpPr>
+        <p:spPr/>
+        <p:txBody>
+          <a:bodyPr/>
+          <a:lstStyle/>
+          <a:p>
+            <a:r>
+              <a:rPr kumimoji="1" lang="ko-KR" altLang="en-US" dirty="0"/>
+              <a:t>글쎄</a:t>
+            </a:r>
+            <a:r>
+              <a:rPr kumimoji="1" lang="en-US" altLang="ko-KR" dirty="0"/>
+              <a:t>,…</a:t>
+            </a:r>
+          </a:p>
+          <a:p>
+            <a:r>
+              <a:rPr kumimoji="1" lang="ko-KR" altLang="en-US" dirty="0" err="1"/>
+              <a:t>피시해킹이</a:t>
+            </a:r>
+            <a:r>
+              <a:rPr kumimoji="1" lang="ko-KR" altLang="en-US" dirty="0"/>
+              <a:t> </a:t>
+            </a:r>
+            <a:r>
+              <a:rPr kumimoji="1" lang="ko-KR" altLang="en-US" dirty="0" err="1"/>
+              <a:t>워낙에</a:t>
+            </a:r>
+            <a:r>
+              <a:rPr kumimoji="1" lang="ko-KR" altLang="en-US" dirty="0"/>
+              <a:t> </a:t>
+            </a:r>
+            <a:r>
+              <a:rPr kumimoji="1" lang="ko-KR" altLang="en-US" dirty="0" err="1"/>
+              <a:t>신기한게</a:t>
+            </a:r>
+            <a:r>
+              <a:rPr kumimoji="1" lang="ko-KR" altLang="en-US" dirty="0"/>
+              <a:t> 많아 할 게 많은데</a:t>
+            </a:r>
+            <a:endParaRPr kumimoji="1" lang="en-US" altLang="ko-KR" dirty="0"/>
+          </a:p>
+          <a:p>
+            <a:r>
+              <a:rPr kumimoji="1" lang="ko-KR" altLang="en-US" dirty="0" err="1"/>
+              <a:t>스미싱이라는</a:t>
+            </a:r>
+            <a:r>
+              <a:rPr kumimoji="1" lang="ko-KR" altLang="en-US" dirty="0"/>
+              <a:t> 스팸메일 보내서 악성코드 유도하는 링크나 뿌리는 </a:t>
+            </a:r>
+            <a:r>
+              <a:rPr kumimoji="1" lang="ko-KR" altLang="en-US" dirty="0" err="1"/>
+              <a:t>소셜공격하려고</a:t>
+            </a:r>
+            <a:r>
+              <a:rPr kumimoji="1" lang="ko-KR" altLang="en-US" dirty="0"/>
+              <a:t> </a:t>
+            </a:r>
+            <a:r>
+              <a:rPr kumimoji="1" lang="en-US" altLang="ko-KR" dirty="0"/>
+              <a:t>ARM</a:t>
+            </a:r>
+            <a:r>
+              <a:rPr kumimoji="1" lang="ko-KR" altLang="en-US" dirty="0"/>
+              <a:t>을 배우는 것도 아니고</a:t>
+            </a:r>
+            <a:r>
+              <a:rPr kumimoji="1" lang="en-US" altLang="ko-KR" dirty="0"/>
+              <a:t>, </a:t>
+            </a:r>
+            <a:r>
+              <a:rPr kumimoji="1" lang="ko-KR" altLang="en-US" dirty="0"/>
+              <a:t>글쎄요 게임기를 만들생각으로 해킹을 하는 </a:t>
+            </a:r>
+            <a:r>
+              <a:rPr kumimoji="1" lang="en-US" altLang="ko-KR" dirty="0"/>
+              <a:t>MIPS</a:t>
+            </a:r>
+            <a:r>
+              <a:rPr kumimoji="1" lang="ko-KR" altLang="en-US" dirty="0"/>
+              <a:t>도 </a:t>
+            </a:r>
+            <a:r>
+              <a:rPr kumimoji="1" lang="ko-KR" altLang="en-US" dirty="0" err="1"/>
+              <a:t>아니구요</a:t>
+            </a:r>
+            <a:r>
+              <a:rPr kumimoji="1" lang="en-US" altLang="ko-KR" dirty="0"/>
+              <a:t>. </a:t>
+            </a:r>
+            <a:r>
+              <a:rPr kumimoji="1" lang="ko-KR" altLang="en-US" dirty="0" err="1"/>
+              <a:t>파워피씨</a:t>
+            </a:r>
+            <a:r>
+              <a:rPr kumimoji="1" lang="ko-KR" altLang="en-US" dirty="0"/>
+              <a:t> 누가 쓰나요 문제로 인해 그거 왜 </a:t>
+            </a:r>
+            <a:r>
+              <a:rPr kumimoji="1" lang="ko-KR" altLang="en-US" dirty="0" err="1"/>
+              <a:t>배우는거지</a:t>
+            </a:r>
+            <a:r>
+              <a:rPr kumimoji="1" lang="en-US" altLang="ko-KR" dirty="0"/>
+              <a:t>?!</a:t>
+            </a:r>
+            <a:r>
+              <a:rPr kumimoji="1" lang="ko-KR" altLang="en-US" dirty="0" err="1"/>
+              <a:t>라는거구요</a:t>
+            </a:r>
+            <a:r>
+              <a:rPr kumimoji="1" lang="en-US" altLang="ko-KR" dirty="0"/>
+              <a:t>.</a:t>
+            </a:r>
+          </a:p>
+          <a:p>
+            <a:r>
+              <a:rPr kumimoji="1" lang="en-US" altLang="ko-KR" dirty="0"/>
+              <a:t>64</a:t>
+            </a:r>
+            <a:r>
+              <a:rPr kumimoji="1" lang="ko-KR" altLang="en-US" dirty="0" err="1"/>
+              <a:t>비트지원하는건</a:t>
+            </a:r>
+            <a:r>
+              <a:rPr kumimoji="1" lang="ko-KR" altLang="en-US" dirty="0"/>
+              <a:t> 참 잘됐네요</a:t>
+            </a:r>
+            <a:r>
+              <a:rPr kumimoji="1" lang="en-US" altLang="ko-KR" dirty="0"/>
+              <a:t>.</a:t>
+            </a:r>
+            <a:r>
+              <a:rPr kumimoji="1" lang="ko-KR" altLang="en-US" dirty="0" err="1"/>
+              <a:t>스마트장치에쓰이니까</a:t>
+            </a:r>
+            <a:r>
+              <a:rPr kumimoji="1" lang="en-US" altLang="ko-KR" dirty="0"/>
+              <a:t>.</a:t>
+            </a:r>
+          </a:p>
+          <a:p>
+            <a:r>
+              <a:rPr kumimoji="1" lang="ko-KR" altLang="en-US" dirty="0"/>
+              <a:t>개인적으로는 저는 </a:t>
+            </a:r>
+            <a:r>
+              <a:rPr kumimoji="1" lang="en-US" altLang="ko-KR" dirty="0"/>
+              <a:t>x86, x86 64</a:t>
+            </a:r>
+            <a:r>
+              <a:rPr kumimoji="1" lang="ko-KR" altLang="en-US" dirty="0"/>
+              <a:t>면 </a:t>
+            </a:r>
+            <a:r>
+              <a:rPr kumimoji="1" lang="ko-KR" altLang="en-US" dirty="0" err="1"/>
+              <a:t>된다입니다</a:t>
+            </a:r>
+            <a:r>
+              <a:rPr kumimoji="1" lang="en-US" altLang="ko-KR" dirty="0"/>
+              <a:t>.</a:t>
+            </a:r>
+          </a:p>
+          <a:p>
+            <a:r>
+              <a:rPr kumimoji="1" lang="en-US" altLang="ko-KR" dirty="0"/>
+              <a:t>ARM</a:t>
+            </a:r>
+            <a:r>
+              <a:rPr kumimoji="1" lang="ko-KR" altLang="en-US" dirty="0"/>
+              <a:t>반대합니다</a:t>
+            </a:r>
+            <a:r>
+              <a:rPr kumimoji="1" lang="en-US" altLang="ko-KR" dirty="0"/>
+              <a:t>. 1%</a:t>
+            </a:r>
+            <a:r>
+              <a:rPr kumimoji="1" lang="ko-KR" altLang="en-US" dirty="0"/>
+              <a:t>해커님들도 쓰지 마세요</a:t>
+            </a:r>
+          </a:p>
+        </p:txBody>
+      </p:sp>
+    </p:spTree>
+    <p:extLst>
+      <p:ext uri="{BB962C8B-B14F-4D97-AF65-F5344CB8AC3E}">
+        <p14:creationId xmlns:p14="http://schemas.microsoft.com/office/powerpoint/2010/main" val="2326582541"/>
+      </p:ext>
+    </p:extLst>
+  </p:cSld>
+  <p:clrMapOvr>
+    <a:masterClrMapping/>
+  </p:clrMapOvr>
+</p:sld>
+</file>
+
+<file path=ppt/slides/slide22.xml><?xml version="1.0" encoding="utf-8"?>
+<p:sld xmlns:a="http://schemas.openxmlformats.org/drawingml/2006/main" xmlns:r="http://schemas.openxmlformats.org/officeDocument/2006/relationships" xmlns:p="http://schemas.openxmlformats.org/presentationml/2006/main">
+  <p:cSld>
+    <p:spTree>
+      <p:nvGrpSpPr>
+        <p:cNvPr id="1" name=""/>
+        <p:cNvGrpSpPr/>
+        <p:nvPr/>
+      </p:nvGrpSpPr>
+      <p:grpSpPr>
+        <a:xfrm>
+          <a:off x="0" y="0"/>
+          <a:ext cx="0" cy="0"/>
+          <a:chOff x="0" y="0"/>
+          <a:chExt cx="0" cy="0"/>
+        </a:xfrm>
+      </p:grpSpPr>
+      <p:sp>
+        <p:nvSpPr>
+          <p:cNvPr id="2" name="제목 1">
+            <a:extLst>
+              <a:ext uri="{FF2B5EF4-FFF2-40B4-BE49-F238E27FC236}">
+                <a16:creationId xmlns:a16="http://schemas.microsoft.com/office/drawing/2014/main" id="{5153C83E-8BBB-4048-A10E-F91FF5884FC0}"/>
+              </a:ext>
+            </a:extLst>
+          </p:cNvPr>
+          <p:cNvSpPr>
+            <a:spLocks noGrp="1"/>
+          </p:cNvSpPr>
+          <p:nvPr>
+            <p:ph type="title"/>
+          </p:nvPr>
+        </p:nvSpPr>
+        <p:spPr/>
+        <p:txBody>
+          <a:bodyPr/>
+          <a:lstStyle/>
+          <a:p>
+            <a:r>
+              <a:rPr kumimoji="1" lang="ko-KR" altLang="en-US" dirty="0" err="1"/>
+              <a:t>책저작에</a:t>
+            </a:r>
+            <a:r>
+              <a:rPr kumimoji="1" lang="ko-KR" altLang="en-US" dirty="0"/>
+              <a:t> 관해서</a:t>
+            </a:r>
+            <a:r>
+              <a:rPr kumimoji="1" lang="en-US" altLang="ko-KR" dirty="0"/>
+              <a:t>,.</a:t>
+            </a:r>
+            <a:endParaRPr kumimoji="1" lang="ko-KR" altLang="en-US" dirty="0"/>
+          </a:p>
+        </p:txBody>
+      </p:sp>
+      <p:sp>
+        <p:nvSpPr>
+          <p:cNvPr id="3" name="내용 개체 틀 2">
+            <a:extLst>
+              <a:ext uri="{FF2B5EF4-FFF2-40B4-BE49-F238E27FC236}">
+                <a16:creationId xmlns:a16="http://schemas.microsoft.com/office/drawing/2014/main" id="{B88E4605-C159-444B-8C72-851562D054A1}"/>
+              </a:ext>
+            </a:extLst>
+          </p:cNvPr>
+          <p:cNvSpPr>
+            <a:spLocks noGrp="1"/>
+          </p:cNvSpPr>
+          <p:nvPr>
+            <p:ph idx="1"/>
+          </p:nvPr>
+        </p:nvSpPr>
+        <p:spPr/>
+        <p:txBody>
+          <a:bodyPr>
+            <a:normAutofit/>
+          </a:bodyPr>
+          <a:lstStyle/>
+          <a:p>
+            <a:r>
+              <a:rPr kumimoji="1" lang="ko-KR" altLang="en-US" sz="2400" dirty="0"/>
+              <a:t>제가 제작하려는 책은 공개한 내용을 모아서 보충 설명하면서 한권의 </a:t>
+            </a:r>
+            <a:r>
+              <a:rPr kumimoji="1" lang="en-US" altLang="ko-KR" sz="2400" dirty="0"/>
+              <a:t>300</a:t>
+            </a:r>
+            <a:r>
+              <a:rPr kumimoji="1" lang="ko-KR" altLang="en-US" sz="2400" dirty="0"/>
+              <a:t>페이지가 되는 딱 정확히 </a:t>
+            </a:r>
+            <a:r>
+              <a:rPr kumimoji="1" lang="en-US" altLang="ko-KR" sz="2400" b="1" dirty="0"/>
+              <a:t>300</a:t>
+            </a:r>
+            <a:r>
+              <a:rPr kumimoji="1" lang="ko-KR" altLang="en-US" sz="2400" b="1" dirty="0"/>
+              <a:t>페이지의 </a:t>
+            </a:r>
+            <a:r>
+              <a:rPr kumimoji="1" lang="en-US" altLang="ko-KR" sz="2400" b="1" dirty="0"/>
+              <a:t>A4</a:t>
+            </a:r>
+            <a:r>
+              <a:rPr kumimoji="1" lang="ko-KR" altLang="en-US" sz="2400" b="1" dirty="0"/>
+              <a:t>용지에 검은 글자로 흑백 인쇄된 그림을 포함하는게 적은 책</a:t>
+            </a:r>
+            <a:r>
+              <a:rPr kumimoji="1" lang="ko-KR" altLang="en-US" sz="2400" dirty="0"/>
+              <a:t>입니다</a:t>
+            </a:r>
+            <a:r>
+              <a:rPr kumimoji="1" lang="en-US" altLang="ko-KR" sz="2400" dirty="0"/>
+              <a:t>.</a:t>
+            </a:r>
+          </a:p>
+          <a:p>
+            <a:endParaRPr kumimoji="1" lang="en-US" altLang="ko-KR" sz="2400" dirty="0"/>
+          </a:p>
+          <a:p>
+            <a:r>
+              <a:rPr kumimoji="1" lang="ko-KR" altLang="en-US" sz="2400" dirty="0"/>
+              <a:t>표지는 </a:t>
+            </a:r>
+            <a:r>
+              <a:rPr kumimoji="1" lang="ko-KR" altLang="en-US" sz="2400" dirty="0" err="1"/>
+              <a:t>칼라구요</a:t>
+            </a:r>
+            <a:r>
+              <a:rPr kumimoji="1" lang="en-US" altLang="ko-KR" sz="2400" dirty="0"/>
+              <a:t>.</a:t>
+            </a:r>
+          </a:p>
+          <a:p>
+            <a:r>
+              <a:rPr kumimoji="1" lang="ko-KR" altLang="en-US" sz="2400" b="1" dirty="0"/>
+              <a:t>비용은 </a:t>
+            </a:r>
+            <a:r>
+              <a:rPr kumimoji="1" lang="en-US" altLang="ko-KR" sz="2400" b="1" dirty="0"/>
+              <a:t>50</a:t>
+            </a:r>
+            <a:r>
+              <a:rPr kumimoji="1" lang="ko-KR" altLang="en-US" sz="2400" b="1" dirty="0"/>
+              <a:t>만원</a:t>
+            </a:r>
+            <a:r>
+              <a:rPr kumimoji="1" lang="ko-KR" altLang="en-US" sz="2400" dirty="0"/>
+              <a:t>입니다</a:t>
+            </a:r>
+            <a:r>
+              <a:rPr kumimoji="1" lang="en-US" altLang="ko-KR" sz="2400" dirty="0"/>
+              <a:t>. </a:t>
+            </a:r>
+            <a:r>
+              <a:rPr kumimoji="1" lang="ko-KR" altLang="en-US" sz="2400" dirty="0"/>
+              <a:t>이 정도 책은 그렇게 저작했을 때 그만큼 받거든요</a:t>
+            </a:r>
+            <a:r>
+              <a:rPr kumimoji="1" lang="en-US" altLang="ko-KR" sz="2400" dirty="0"/>
+              <a:t>? </a:t>
+            </a:r>
+            <a:r>
+              <a:rPr kumimoji="1" lang="ko-KR" altLang="en-US" sz="2400" dirty="0"/>
+              <a:t>네 </a:t>
+            </a:r>
+            <a:r>
+              <a:rPr kumimoji="1" lang="ko-KR" altLang="en-US" sz="2400" dirty="0" err="1"/>
+              <a:t>권당입니다</a:t>
+            </a:r>
+            <a:r>
+              <a:rPr kumimoji="1" lang="en-US" altLang="ko-KR" sz="2400" dirty="0"/>
+              <a:t>.</a:t>
+            </a:r>
+          </a:p>
+          <a:p>
+            <a:r>
+              <a:rPr kumimoji="1" lang="ko-KR" altLang="en-US" sz="2400" dirty="0" err="1"/>
+              <a:t>어디서도찾아보기힘든자료니까요</a:t>
+            </a:r>
+            <a:r>
+              <a:rPr kumimoji="1" lang="en-US" altLang="ko-KR" sz="2400" dirty="0"/>
+              <a:t>. </a:t>
+            </a:r>
+            <a:r>
+              <a:rPr kumimoji="1" lang="ko-KR" altLang="en-US" sz="2400" b="1" dirty="0" err="1"/>
+              <a:t>읽는데는</a:t>
+            </a:r>
+            <a:r>
+              <a:rPr kumimoji="1" lang="ko-KR" altLang="en-US" sz="2400" b="1" dirty="0"/>
+              <a:t> </a:t>
+            </a:r>
+            <a:r>
+              <a:rPr kumimoji="1" lang="en-US" altLang="ko-KR" sz="2400" b="1" dirty="0"/>
+              <a:t>2</a:t>
+            </a:r>
+            <a:r>
+              <a:rPr kumimoji="1" lang="ko-KR" altLang="en-US" sz="2400" b="1" dirty="0"/>
+              <a:t>분에서 </a:t>
+            </a:r>
+            <a:r>
+              <a:rPr kumimoji="1" lang="en-US" altLang="ko-KR" sz="2400" b="1" dirty="0"/>
+              <a:t>2</a:t>
+            </a:r>
+            <a:r>
+              <a:rPr kumimoji="1" lang="ko-KR" altLang="en-US" sz="2400" b="1" dirty="0"/>
+              <a:t>시간 </a:t>
+            </a:r>
+            <a:r>
+              <a:rPr kumimoji="1" lang="ko-KR" altLang="en-US" sz="2400" dirty="0" err="1"/>
+              <a:t>걸리실텐데</a:t>
+            </a:r>
+            <a:r>
+              <a:rPr kumimoji="1" lang="en-US" altLang="ko-KR" sz="2400" dirty="0"/>
+              <a:t>, </a:t>
+            </a:r>
+            <a:r>
+              <a:rPr kumimoji="1" lang="ko-KR" altLang="en-US" sz="2400" dirty="0"/>
+              <a:t>다시 </a:t>
+            </a:r>
+            <a:r>
+              <a:rPr kumimoji="1" lang="ko-KR" altLang="en-US" sz="2400" dirty="0" err="1"/>
+              <a:t>찾아보셔도</a:t>
+            </a:r>
+            <a:r>
+              <a:rPr kumimoji="1" lang="ko-KR" altLang="en-US" sz="2400" dirty="0"/>
+              <a:t> 맞는 말로 되어 있어서 </a:t>
+            </a:r>
+            <a:r>
+              <a:rPr kumimoji="1" lang="ko-KR" altLang="en-US" sz="2400" dirty="0" err="1"/>
+              <a:t>키디를</a:t>
+            </a:r>
+            <a:r>
+              <a:rPr kumimoji="1" lang="ko-KR" altLang="en-US" sz="2400" dirty="0"/>
+              <a:t> 느끼지 않으실 겁니다</a:t>
+            </a:r>
+            <a:r>
+              <a:rPr kumimoji="1" lang="en-US" altLang="ko-KR" sz="2400" dirty="0"/>
+              <a:t>. </a:t>
+            </a:r>
+            <a:r>
+              <a:rPr kumimoji="1" lang="ko-KR" altLang="en-US" sz="2400" dirty="0" err="1"/>
+              <a:t>못느끼니까</a:t>
+            </a:r>
+            <a:r>
+              <a:rPr kumimoji="1" lang="ko-KR" altLang="en-US" sz="2400" dirty="0"/>
+              <a:t> 키드가 아니다</a:t>
+            </a:r>
+            <a:r>
+              <a:rPr kumimoji="1" lang="en-US" altLang="ko-KR" sz="2400" dirty="0"/>
+              <a:t>!</a:t>
+            </a:r>
+          </a:p>
+          <a:p>
+            <a:r>
+              <a:rPr kumimoji="1" lang="ko-KR" altLang="en-US" sz="2400" dirty="0"/>
+              <a:t>감사</a:t>
+            </a:r>
+            <a:r>
+              <a:rPr kumimoji="1" lang="en-US" altLang="ko-KR" sz="2400" dirty="0"/>
+              <a:t>! </a:t>
+            </a:r>
+            <a:endParaRPr kumimoji="1" lang="ko-KR" altLang="en-US" sz="2400" dirty="0"/>
+          </a:p>
+        </p:txBody>
+      </p:sp>
+    </p:spTree>
+    <p:extLst>
+      <p:ext uri="{BB962C8B-B14F-4D97-AF65-F5344CB8AC3E}">
+        <p14:creationId xmlns:p14="http://schemas.microsoft.com/office/powerpoint/2010/main" val="1713644790"/>
       </p:ext>
     </p:extLst>
   </p:cSld>

--- a/정경주 강의 노트.pptx
+++ b/정경주 강의 노트.pptx
@@ -6,27 +6,29 @@
   </p:sldMasterIdLst>
   <p:sldIdLst>
     <p:sldId id="287" r:id="rId2"/>
-    <p:sldId id="273" r:id="rId3"/>
-    <p:sldId id="274" r:id="rId4"/>
-    <p:sldId id="275" r:id="rId5"/>
-    <p:sldId id="276" r:id="rId6"/>
-    <p:sldId id="277" r:id="rId7"/>
-    <p:sldId id="278" r:id="rId8"/>
-    <p:sldId id="279" r:id="rId9"/>
-    <p:sldId id="280" r:id="rId10"/>
-    <p:sldId id="281" r:id="rId11"/>
-    <p:sldId id="282" r:id="rId12"/>
-    <p:sldId id="283" r:id="rId13"/>
-    <p:sldId id="284" r:id="rId14"/>
-    <p:sldId id="285" r:id="rId15"/>
-    <p:sldId id="286" r:id="rId16"/>
-    <p:sldId id="288" r:id="rId17"/>
-    <p:sldId id="289" r:id="rId18"/>
-    <p:sldId id="290" r:id="rId19"/>
-    <p:sldId id="294" r:id="rId20"/>
-    <p:sldId id="291" r:id="rId21"/>
-    <p:sldId id="292" r:id="rId22"/>
-    <p:sldId id="293" r:id="rId23"/>
+    <p:sldId id="295" r:id="rId3"/>
+    <p:sldId id="273" r:id="rId4"/>
+    <p:sldId id="274" r:id="rId5"/>
+    <p:sldId id="275" r:id="rId6"/>
+    <p:sldId id="276" r:id="rId7"/>
+    <p:sldId id="277" r:id="rId8"/>
+    <p:sldId id="278" r:id="rId9"/>
+    <p:sldId id="279" r:id="rId10"/>
+    <p:sldId id="280" r:id="rId11"/>
+    <p:sldId id="281" r:id="rId12"/>
+    <p:sldId id="282" r:id="rId13"/>
+    <p:sldId id="283" r:id="rId14"/>
+    <p:sldId id="284" r:id="rId15"/>
+    <p:sldId id="285" r:id="rId16"/>
+    <p:sldId id="286" r:id="rId17"/>
+    <p:sldId id="288" r:id="rId18"/>
+    <p:sldId id="289" r:id="rId19"/>
+    <p:sldId id="290" r:id="rId20"/>
+    <p:sldId id="294" r:id="rId21"/>
+    <p:sldId id="291" r:id="rId22"/>
+    <p:sldId id="292" r:id="rId23"/>
+    <p:sldId id="296" r:id="rId24"/>
+    <p:sldId id="293" r:id="rId25"/>
   </p:sldIdLst>
   <p:sldSz cx="12192000" cy="6858000"/>
   <p:notesSz cx="6858000" cy="9144000"/>
@@ -3340,6 +3342,252 @@
           <p:cNvPr id="2" name="제목 1">
             <a:extLst>
               <a:ext uri="{FF2B5EF4-FFF2-40B4-BE49-F238E27FC236}">
+                <a16:creationId xmlns:a16="http://schemas.microsoft.com/office/drawing/2014/main" id="{978046A0-34A6-7F48-BD1D-A3A3D5EB3067}"/>
+              </a:ext>
+            </a:extLst>
+          </p:cNvPr>
+          <p:cNvSpPr>
+            <a:spLocks noGrp="1"/>
+          </p:cNvSpPr>
+          <p:nvPr>
+            <p:ph type="title"/>
+          </p:nvPr>
+        </p:nvSpPr>
+        <p:spPr/>
+        <p:txBody>
+          <a:bodyPr/>
+          <a:lstStyle/>
+          <a:p>
+            <a:r>
+              <a:rPr kumimoji="1" lang="ko-KR" altLang="en-US" dirty="0"/>
+              <a:t>해커는 친구보다는 해킹이다</a:t>
+            </a:r>
+            <a:r>
+              <a:rPr kumimoji="1" lang="en-US" altLang="ko-KR" dirty="0"/>
+              <a:t>:</a:t>
+            </a:r>
+            <a:br>
+              <a:rPr kumimoji="1" lang="en-US" altLang="ko-KR" dirty="0"/>
+            </a:br>
+            <a:r>
+              <a:rPr kumimoji="1" lang="ko-KR" altLang="en-US" dirty="0"/>
+              <a:t>해커친구사귀기</a:t>
+            </a:r>
+          </a:p>
+        </p:txBody>
+      </p:sp>
+      <p:sp>
+        <p:nvSpPr>
+          <p:cNvPr id="3" name="내용 개체 틀 2">
+            <a:extLst>
+              <a:ext uri="{FF2B5EF4-FFF2-40B4-BE49-F238E27FC236}">
+                <a16:creationId xmlns:a16="http://schemas.microsoft.com/office/drawing/2014/main" id="{5B8E23CA-5A5E-B842-AD3D-5F83794B04F1}"/>
+              </a:ext>
+            </a:extLst>
+          </p:cNvPr>
+          <p:cNvSpPr>
+            <a:spLocks noGrp="1"/>
+          </p:cNvSpPr>
+          <p:nvPr>
+            <p:ph idx="1"/>
+          </p:nvPr>
+        </p:nvSpPr>
+        <p:spPr/>
+        <p:txBody>
+          <a:bodyPr>
+            <a:normAutofit fontScale="92500" lnSpcReduction="10000"/>
+          </a:bodyPr>
+          <a:lstStyle/>
+          <a:p>
+            <a:r>
+              <a:rPr kumimoji="1" lang="ko-KR" altLang="en-US" dirty="0" err="1"/>
+              <a:t>외국해커들은실력이꽝입니다</a:t>
+            </a:r>
+            <a:r>
+              <a:rPr kumimoji="1" lang="en-US" altLang="ko-KR" dirty="0"/>
+              <a:t>.</a:t>
+            </a:r>
+          </a:p>
+          <a:p>
+            <a:r>
+              <a:rPr kumimoji="1" lang="ko-KR" altLang="en-US" dirty="0" err="1"/>
+              <a:t>네트웍상에</a:t>
+            </a:r>
+            <a:r>
+              <a:rPr kumimoji="1" lang="ko-KR" altLang="en-US" dirty="0"/>
+              <a:t> 있는 팀은 미국의 </a:t>
+            </a:r>
+            <a:r>
+              <a:rPr kumimoji="1" lang="en-US" altLang="ko-KR" dirty="0" err="1"/>
+              <a:t>ppp</a:t>
+            </a:r>
+            <a:r>
+              <a:rPr kumimoji="1" lang="ko-KR" altLang="en-US" dirty="0"/>
+              <a:t>정도인데</a:t>
+            </a:r>
+            <a:r>
+              <a:rPr kumimoji="1" lang="en-US" altLang="ko-KR" dirty="0"/>
+              <a:t>,</a:t>
+            </a:r>
+            <a:r>
+              <a:rPr kumimoji="1" lang="ko-KR" altLang="en-US" dirty="0"/>
+              <a:t> 이건 완전히 </a:t>
+            </a:r>
+            <a:r>
+              <a:rPr kumimoji="1" lang="ko-KR" altLang="en-US" dirty="0" err="1"/>
+              <a:t>해킹팀입니다</a:t>
+            </a:r>
+            <a:r>
+              <a:rPr kumimoji="1" lang="en-US" altLang="ko-KR" dirty="0"/>
+              <a:t>.</a:t>
+            </a:r>
+            <a:r>
+              <a:rPr kumimoji="1" lang="ko-KR" altLang="en-US" dirty="0"/>
+              <a:t> 예 모의해킹을 하려고 사업체를 </a:t>
+            </a:r>
+            <a:r>
+              <a:rPr kumimoji="1" lang="ko-KR" altLang="en-US" dirty="0" err="1"/>
+              <a:t>만들정도의</a:t>
+            </a:r>
+            <a:r>
+              <a:rPr kumimoji="1" lang="ko-KR" altLang="en-US" dirty="0"/>
+              <a:t> 업체적문제로 커리어로 인한 모의해킹을 하는 </a:t>
+            </a:r>
+            <a:r>
+              <a:rPr kumimoji="1" lang="ko-KR" altLang="en-US" dirty="0" err="1"/>
+              <a:t>분들이저</a:t>
+            </a:r>
+            <a:r>
+              <a:rPr kumimoji="1" lang="en-US" altLang="ko-KR" dirty="0"/>
+              <a:t>.</a:t>
+            </a:r>
+          </a:p>
+          <a:p>
+            <a:endParaRPr kumimoji="1" lang="en-US" altLang="ko-KR" dirty="0"/>
+          </a:p>
+          <a:p>
+            <a:r>
+              <a:rPr kumimoji="1" lang="ko-KR" altLang="en-US" dirty="0"/>
+              <a:t>여러분들은 해커를 직업으로 하기에는 무리라고 봅니다</a:t>
+            </a:r>
+            <a:r>
+              <a:rPr kumimoji="1" lang="en-US" altLang="ko-KR" dirty="0"/>
+              <a:t>.</a:t>
+            </a:r>
+          </a:p>
+          <a:p>
+            <a:r>
+              <a:rPr kumimoji="1" lang="ko-KR" altLang="en-US" dirty="0"/>
+              <a:t>저는 유명인이어서 책 저작을 하는 거구요</a:t>
+            </a:r>
+            <a:r>
+              <a:rPr kumimoji="1" lang="en-US" altLang="ko-KR" dirty="0"/>
+              <a:t>.</a:t>
+            </a:r>
+          </a:p>
+          <a:p>
+            <a:r>
+              <a:rPr kumimoji="1" lang="ko-KR" altLang="en-US" dirty="0"/>
+              <a:t>돈보다는 </a:t>
+            </a:r>
+            <a:r>
+              <a:rPr kumimoji="1" lang="ko-KR" altLang="en-US" dirty="0" err="1"/>
+              <a:t>명예고</a:t>
+            </a:r>
+            <a:r>
+              <a:rPr kumimoji="1" lang="en-US" altLang="ko-KR" dirty="0"/>
+              <a:t>,</a:t>
+            </a:r>
+            <a:r>
+              <a:rPr kumimoji="1" lang="ko-KR" altLang="en-US" dirty="0"/>
+              <a:t> 명예보다는 </a:t>
+            </a:r>
+            <a:r>
+              <a:rPr kumimoji="1" lang="ko-KR" altLang="en-US" sz="3000" dirty="0"/>
+              <a:t>실력</a:t>
+            </a:r>
+            <a:r>
+              <a:rPr kumimoji="1" lang="ko-KR" altLang="en-US" dirty="0"/>
+              <a:t>입니다</a:t>
+            </a:r>
+            <a:r>
+              <a:rPr kumimoji="1" lang="en-US" altLang="ko-KR" dirty="0"/>
+              <a:t>.</a:t>
+            </a:r>
+          </a:p>
+          <a:p>
+            <a:r>
+              <a:rPr kumimoji="1" lang="ko-KR" altLang="en-US" dirty="0" err="1"/>
+              <a:t>아셔쓰면</a:t>
+            </a:r>
+            <a:r>
+              <a:rPr kumimoji="1" lang="ko-KR" altLang="en-US" dirty="0"/>
+              <a:t> 해요</a:t>
+            </a:r>
+            <a:r>
+              <a:rPr kumimoji="1" lang="en-US" altLang="ko-KR" dirty="0"/>
+              <a:t>~</a:t>
+            </a:r>
+            <a:r>
+              <a:rPr kumimoji="1" lang="ko-KR" altLang="en-US" dirty="0"/>
+              <a:t> 여러분은 좋은 모습으로 살고 </a:t>
+            </a:r>
+            <a:r>
+              <a:rPr kumimoji="1" lang="ko-KR" altLang="en-US" dirty="0" err="1"/>
+              <a:t>싶으신거라면요</a:t>
+            </a:r>
+            <a:r>
+              <a:rPr kumimoji="1" lang="en-US" altLang="ko-KR" dirty="0"/>
+              <a:t>?</a:t>
+            </a:r>
+          </a:p>
+          <a:p>
+            <a:r>
+              <a:rPr kumimoji="1" lang="ko-KR" altLang="en-US" dirty="0"/>
+              <a:t>예</a:t>
+            </a:r>
+            <a:endParaRPr kumimoji="1" lang="en-US" altLang="ko-KR" dirty="0"/>
+          </a:p>
+          <a:p>
+            <a:endParaRPr kumimoji="1" lang="ko-KR" altLang="en-US" dirty="0"/>
+          </a:p>
+        </p:txBody>
+      </p:sp>
+    </p:spTree>
+    <p:extLst>
+      <p:ext uri="{BB962C8B-B14F-4D97-AF65-F5344CB8AC3E}">
+        <p14:creationId xmlns:p14="http://schemas.microsoft.com/office/powerpoint/2010/main" val="2473582498"/>
+      </p:ext>
+    </p:extLst>
+  </p:cSld>
+  <p:clrMapOvr>
+    <a:masterClrMapping/>
+  </p:clrMapOvr>
+</p:sld>
+</file>
+
+<file path=ppt/slides/slide11.xml><?xml version="1.0" encoding="utf-8"?>
+<p:sld xmlns:a="http://schemas.openxmlformats.org/drawingml/2006/main" xmlns:r="http://schemas.openxmlformats.org/officeDocument/2006/relationships" xmlns:p="http://schemas.openxmlformats.org/presentationml/2006/main">
+  <p:cSld>
+    <p:spTree>
+      <p:nvGrpSpPr>
+        <p:cNvPr id="1" name=""/>
+        <p:cNvGrpSpPr/>
+        <p:nvPr/>
+      </p:nvGrpSpPr>
+      <p:grpSpPr>
+        <a:xfrm>
+          <a:off x="0" y="0"/>
+          <a:ext cx="0" cy="0"/>
+          <a:chOff x="0" y="0"/>
+          <a:chExt cx="0" cy="0"/>
+        </a:xfrm>
+      </p:grpSpPr>
+      <p:sp>
+        <p:nvSpPr>
+          <p:cNvPr id="2" name="제목 1">
+            <a:extLst>
+              <a:ext uri="{FF2B5EF4-FFF2-40B4-BE49-F238E27FC236}">
                 <a16:creationId xmlns:a16="http://schemas.microsoft.com/office/drawing/2014/main" id="{E6B2D2AE-69DE-AB45-9076-B298A64BCC95}"/>
               </a:ext>
             </a:extLst>
@@ -3716,7 +3964,7 @@
 </p:sld>
 </file>
 
-<file path=ppt/slides/slide11.xml><?xml version="1.0" encoding="utf-8"?>
+<file path=ppt/slides/slide12.xml><?xml version="1.0" encoding="utf-8"?>
 <p:sld xmlns:a="http://schemas.openxmlformats.org/drawingml/2006/main" xmlns:r="http://schemas.openxmlformats.org/officeDocument/2006/relationships" xmlns:p="http://schemas.openxmlformats.org/presentationml/2006/main">
   <p:cSld>
     <p:spTree>
@@ -4232,7 +4480,7 @@
 </p:sld>
 </file>
 
-<file path=ppt/slides/slide12.xml><?xml version="1.0" encoding="utf-8"?>
+<file path=ppt/slides/slide13.xml><?xml version="1.0" encoding="utf-8"?>
 <p:sld xmlns:a="http://schemas.openxmlformats.org/drawingml/2006/main" xmlns:r="http://schemas.openxmlformats.org/officeDocument/2006/relationships" xmlns:p="http://schemas.openxmlformats.org/presentationml/2006/main">
   <p:cSld>
     <p:spTree>
@@ -5053,7 +5301,7 @@
 </p:sld>
 </file>
 
-<file path=ppt/slides/slide13.xml><?xml version="1.0" encoding="utf-8"?>
+<file path=ppt/slides/slide14.xml><?xml version="1.0" encoding="utf-8"?>
 <p:sld xmlns:a="http://schemas.openxmlformats.org/drawingml/2006/main" xmlns:r="http://schemas.openxmlformats.org/officeDocument/2006/relationships" xmlns:p="http://schemas.openxmlformats.org/presentationml/2006/main">
   <p:cSld>
     <p:spTree>
@@ -5429,7 +5677,7 @@
 </p:sld>
 </file>
 
-<file path=ppt/slides/slide14.xml><?xml version="1.0" encoding="utf-8"?>
+<file path=ppt/slides/slide15.xml><?xml version="1.0" encoding="utf-8"?>
 <p:sld xmlns:a="http://schemas.openxmlformats.org/drawingml/2006/main" xmlns:r="http://schemas.openxmlformats.org/officeDocument/2006/relationships" xmlns:p="http://schemas.openxmlformats.org/presentationml/2006/main">
   <p:cSld>
     <p:spTree>
@@ -5795,7 +6043,7 @@
 </p:sld>
 </file>
 
-<file path=ppt/slides/slide15.xml><?xml version="1.0" encoding="utf-8"?>
+<file path=ppt/slides/slide16.xml><?xml version="1.0" encoding="utf-8"?>
 <p:sld xmlns:a="http://schemas.openxmlformats.org/drawingml/2006/main" xmlns:r="http://schemas.openxmlformats.org/officeDocument/2006/relationships" xmlns:p="http://schemas.openxmlformats.org/presentationml/2006/main">
   <p:cSld>
     <p:spTree>
@@ -6238,7 +6486,7 @@
 </p:sld>
 </file>
 
-<file path=ppt/slides/slide16.xml><?xml version="1.0" encoding="utf-8"?>
+<file path=ppt/slides/slide17.xml><?xml version="1.0" encoding="utf-8"?>
 <p:sld xmlns:a="http://schemas.openxmlformats.org/drawingml/2006/main" xmlns:r="http://schemas.openxmlformats.org/officeDocument/2006/relationships" xmlns:p="http://schemas.openxmlformats.org/presentationml/2006/main">
   <p:cSld>
     <p:spTree>
@@ -6505,7 +6753,7 @@
 </p:sld>
 </file>
 
-<file path=ppt/slides/slide17.xml><?xml version="1.0" encoding="utf-8"?>
+<file path=ppt/slides/slide18.xml><?xml version="1.0" encoding="utf-8"?>
 <p:sld xmlns:a="http://schemas.openxmlformats.org/drawingml/2006/main" xmlns:r="http://schemas.openxmlformats.org/officeDocument/2006/relationships" xmlns:p="http://schemas.openxmlformats.org/presentationml/2006/main">
   <p:cSld>
     <p:spTree>
@@ -6719,7 +6967,7 @@
 </p:sld>
 </file>
 
-<file path=ppt/slides/slide18.xml><?xml version="1.0" encoding="utf-8"?>
+<file path=ppt/slides/slide19.xml><?xml version="1.0" encoding="utf-8"?>
 <p:sld xmlns:a="http://schemas.openxmlformats.org/drawingml/2006/main" xmlns:r="http://schemas.openxmlformats.org/officeDocument/2006/relationships" xmlns:p="http://schemas.openxmlformats.org/presentationml/2006/main">
   <p:cSld>
     <p:spTree>
@@ -6984,7 +7232,199 @@
 </p:sld>
 </file>
 
-<file path=ppt/slides/slide19.xml><?xml version="1.0" encoding="utf-8"?>
+<file path=ppt/slides/slide2.xml><?xml version="1.0" encoding="utf-8"?>
+<p:sld xmlns:a="http://schemas.openxmlformats.org/drawingml/2006/main" xmlns:r="http://schemas.openxmlformats.org/officeDocument/2006/relationships" xmlns:p="http://schemas.openxmlformats.org/presentationml/2006/main">
+  <p:cSld>
+    <p:spTree>
+      <p:nvGrpSpPr>
+        <p:cNvPr id="1" name=""/>
+        <p:cNvGrpSpPr/>
+        <p:nvPr/>
+      </p:nvGrpSpPr>
+      <p:grpSpPr>
+        <a:xfrm>
+          <a:off x="0" y="0"/>
+          <a:ext cx="0" cy="0"/>
+          <a:chOff x="0" y="0"/>
+          <a:chExt cx="0" cy="0"/>
+        </a:xfrm>
+      </p:grpSpPr>
+      <p:sp>
+        <p:nvSpPr>
+          <p:cNvPr id="2" name="제목 1">
+            <a:extLst>
+              <a:ext uri="{FF2B5EF4-FFF2-40B4-BE49-F238E27FC236}">
+                <a16:creationId xmlns:a16="http://schemas.microsoft.com/office/drawing/2014/main" id="{E83972F7-9E41-4D49-BD17-C217AD756BF2}"/>
+              </a:ext>
+            </a:extLst>
+          </p:cNvPr>
+          <p:cNvSpPr>
+            <a:spLocks noGrp="1"/>
+          </p:cNvSpPr>
+          <p:nvPr>
+            <p:ph type="title"/>
+          </p:nvPr>
+        </p:nvSpPr>
+        <p:spPr/>
+        <p:txBody>
+          <a:bodyPr/>
+          <a:lstStyle/>
+          <a:p>
+            <a:r>
+              <a:rPr kumimoji="1" lang="ko-KR" altLang="en-US" dirty="0"/>
+              <a:t>저작권</a:t>
+            </a:r>
+          </a:p>
+        </p:txBody>
+      </p:sp>
+      <p:sp>
+        <p:nvSpPr>
+          <p:cNvPr id="3" name="내용 개체 틀 2">
+            <a:extLst>
+              <a:ext uri="{FF2B5EF4-FFF2-40B4-BE49-F238E27FC236}">
+                <a16:creationId xmlns:a16="http://schemas.microsoft.com/office/drawing/2014/main" id="{B94C8804-5AB7-984C-A165-E5E780FD57AE}"/>
+              </a:ext>
+            </a:extLst>
+          </p:cNvPr>
+          <p:cNvSpPr>
+            <a:spLocks noGrp="1"/>
+          </p:cNvSpPr>
+          <p:nvPr>
+            <p:ph idx="1"/>
+          </p:nvPr>
+        </p:nvSpPr>
+        <p:spPr/>
+        <p:txBody>
+          <a:bodyPr/>
+          <a:lstStyle/>
+          <a:p>
+            <a:r>
+              <a:rPr kumimoji="1" lang="ko-KR" altLang="en-US" dirty="0"/>
+              <a:t>본 자료는 해킹</a:t>
+            </a:r>
+            <a:r>
+              <a:rPr kumimoji="1" lang="en-US" altLang="ko-KR" dirty="0"/>
+              <a:t>1</a:t>
+            </a:r>
+            <a:r>
+              <a:rPr kumimoji="1" lang="ko-KR" altLang="en-US" dirty="0"/>
+              <a:t>을 출간하기위한 저작물로써</a:t>
+            </a:r>
+            <a:r>
+              <a:rPr kumimoji="1" lang="en-US" altLang="ko-KR" dirty="0"/>
+              <a:t>, </a:t>
+            </a:r>
+            <a:r>
+              <a:rPr kumimoji="1" lang="ko-KR" altLang="en-US" dirty="0"/>
+              <a:t>참고가 </a:t>
+            </a:r>
+            <a:r>
+              <a:rPr kumimoji="1" lang="ko-KR" altLang="en-US" dirty="0" err="1"/>
+              <a:t>되시기때문에복제를원하실수도있지만무단전재나복제는엄금합니다</a:t>
+            </a:r>
+            <a:r>
+              <a:rPr kumimoji="1" lang="en-US" altLang="ko-KR" dirty="0"/>
+              <a:t>.</a:t>
+            </a:r>
+          </a:p>
+          <a:p>
+            <a:endParaRPr kumimoji="1" lang="en-US" altLang="ko-KR" dirty="0"/>
+          </a:p>
+          <a:p>
+            <a:r>
+              <a:rPr kumimoji="1" lang="ko-KR" altLang="en-US" dirty="0"/>
+              <a:t>해킹</a:t>
+            </a:r>
+            <a:r>
+              <a:rPr kumimoji="1" lang="en-US" altLang="ko-KR" dirty="0"/>
+              <a:t>1</a:t>
+            </a:r>
+            <a:r>
+              <a:rPr kumimoji="1" lang="ko-KR" altLang="en-US" dirty="0"/>
+              <a:t>은 이 내용을 바탕으로 여러 가지 테스트를 겸해서 좀 더 보강된 내용으로 해킹을 담론하고</a:t>
+            </a:r>
+            <a:r>
+              <a:rPr kumimoji="1" lang="en-US" altLang="ko-KR" dirty="0"/>
+              <a:t> </a:t>
+            </a:r>
+            <a:r>
+              <a:rPr kumimoji="1" lang="ko-KR" altLang="en-US" dirty="0"/>
+              <a:t>테스트합니다</a:t>
+            </a:r>
+            <a:endParaRPr kumimoji="1" lang="en-US" altLang="ko-KR" dirty="0"/>
+          </a:p>
+          <a:p>
+            <a:endParaRPr kumimoji="1" lang="en-US" altLang="ko-KR" dirty="0"/>
+          </a:p>
+          <a:p>
+            <a:r>
+              <a:rPr kumimoji="1" lang="en-US" altLang="ko-KR" dirty="0"/>
+              <a:t>300</a:t>
+            </a:r>
+            <a:r>
+              <a:rPr kumimoji="1" lang="ko-KR" altLang="en-US" dirty="0" err="1"/>
+              <a:t>페이지니까</a:t>
+            </a:r>
+            <a:r>
+              <a:rPr kumimoji="1" lang="ko-KR" altLang="en-US" dirty="0"/>
+              <a:t> 좀 비싸겠지만</a:t>
+            </a:r>
+            <a:r>
+              <a:rPr kumimoji="1" lang="en-US" altLang="ko-KR" dirty="0"/>
+              <a:t>, </a:t>
+            </a:r>
+            <a:r>
+              <a:rPr kumimoji="1" lang="ko-KR" altLang="en-US" dirty="0"/>
+              <a:t>사시는 분이 계실 거 같네요</a:t>
+            </a:r>
+            <a:r>
+              <a:rPr kumimoji="1" lang="en-US" altLang="ko-KR" dirty="0"/>
+              <a:t>.</a:t>
+            </a:r>
+          </a:p>
+          <a:p>
+            <a:r>
+              <a:rPr kumimoji="1" lang="ko-KR" altLang="en-US" dirty="0" err="1"/>
+              <a:t>자체저작이</a:t>
+            </a:r>
+            <a:r>
+              <a:rPr kumimoji="1" lang="ko-KR" altLang="en-US" dirty="0"/>
+              <a:t> 아니면</a:t>
+            </a:r>
+            <a:r>
+              <a:rPr kumimoji="1" lang="en-US" altLang="ko-KR" dirty="0"/>
+              <a:t>, </a:t>
+            </a:r>
+            <a:r>
+              <a:rPr kumimoji="1" lang="ko-KR" altLang="en-US" dirty="0" err="1"/>
+              <a:t>부크크에</a:t>
+            </a:r>
+            <a:r>
+              <a:rPr kumimoji="1" lang="ko-KR" altLang="en-US" dirty="0"/>
+              <a:t> 책을 다시 내겠습니다</a:t>
+            </a:r>
+            <a:r>
+              <a:rPr kumimoji="1" lang="en-US" altLang="ko-KR"/>
+              <a:t>.</a:t>
+            </a:r>
+            <a:endParaRPr kumimoji="1" lang="ko-KR" altLang="en-US" dirty="0"/>
+          </a:p>
+        </p:txBody>
+      </p:sp>
+    </p:spTree>
+    <p:extLst>
+      <p:ext uri="{BB962C8B-B14F-4D97-AF65-F5344CB8AC3E}">
+        <p14:creationId xmlns:p14="http://schemas.microsoft.com/office/powerpoint/2010/main" val="4171236465"/>
+      </p:ext>
+    </p:extLst>
+  </p:cSld>
+  <p:clrMapOvr>
+    <a:masterClrMapping/>
+  </p:clrMapOvr>
+</p:sld>
+</file>
+
+<file path=ppt/slides/slide20.xml><?xml version="1.0" encoding="utf-8"?>
 <p:sld xmlns:a="http://schemas.openxmlformats.org/drawingml/2006/main" xmlns:r="http://schemas.openxmlformats.org/officeDocument/2006/relationships" xmlns:p="http://schemas.openxmlformats.org/presentationml/2006/main">
   <p:cSld>
     <p:spTree>
@@ -7213,7 +7653,1099 @@
 </p:sld>
 </file>
 
-<file path=ppt/slides/slide2.xml><?xml version="1.0" encoding="utf-8"?>
+<file path=ppt/slides/slide21.xml><?xml version="1.0" encoding="utf-8"?>
+<p:sld xmlns:a="http://schemas.openxmlformats.org/drawingml/2006/main" xmlns:r="http://schemas.openxmlformats.org/officeDocument/2006/relationships" xmlns:p="http://schemas.openxmlformats.org/presentationml/2006/main">
+  <p:cSld>
+    <p:spTree>
+      <p:nvGrpSpPr>
+        <p:cNvPr id="1" name=""/>
+        <p:cNvGrpSpPr/>
+        <p:nvPr/>
+      </p:nvGrpSpPr>
+      <p:grpSpPr>
+        <a:xfrm>
+          <a:off x="0" y="0"/>
+          <a:ext cx="0" cy="0"/>
+          <a:chOff x="0" y="0"/>
+          <a:chExt cx="0" cy="0"/>
+        </a:xfrm>
+      </p:grpSpPr>
+      <p:sp>
+        <p:nvSpPr>
+          <p:cNvPr id="2" name="제목 1">
+            <a:extLst>
+              <a:ext uri="{FF2B5EF4-FFF2-40B4-BE49-F238E27FC236}">
+                <a16:creationId xmlns:a16="http://schemas.microsoft.com/office/drawing/2014/main" id="{AE2DF1CD-4A03-F94C-B717-09CEC6C19B37}"/>
+              </a:ext>
+            </a:extLst>
+          </p:cNvPr>
+          <p:cNvSpPr>
+            <a:spLocks noGrp="1"/>
+          </p:cNvSpPr>
+          <p:nvPr>
+            <p:ph type="title"/>
+          </p:nvPr>
+        </p:nvSpPr>
+        <p:spPr/>
+        <p:txBody>
+          <a:bodyPr/>
+          <a:lstStyle/>
+          <a:p>
+            <a:r>
+              <a:rPr kumimoji="1" lang="en-US" altLang="ko-KR" dirty="0"/>
+              <a:t>-</a:t>
+            </a:r>
+            <a:r>
+              <a:rPr kumimoji="1" lang="ko-KR" altLang="en-US" dirty="0"/>
+              <a:t> 컴퓨터의 범위</a:t>
+            </a:r>
+          </a:p>
+        </p:txBody>
+      </p:sp>
+      <p:sp>
+        <p:nvSpPr>
+          <p:cNvPr id="3" name="내용 개체 틀 2">
+            <a:extLst>
+              <a:ext uri="{FF2B5EF4-FFF2-40B4-BE49-F238E27FC236}">
+                <a16:creationId xmlns:a16="http://schemas.microsoft.com/office/drawing/2014/main" id="{7E29C157-E816-0541-96D9-DF6585B85B65}"/>
+              </a:ext>
+            </a:extLst>
+          </p:cNvPr>
+          <p:cNvSpPr>
+            <a:spLocks noGrp="1"/>
+          </p:cNvSpPr>
+          <p:nvPr>
+            <p:ph idx="1"/>
+          </p:nvPr>
+        </p:nvSpPr>
+        <p:spPr/>
+        <p:txBody>
+          <a:bodyPr/>
+          <a:lstStyle/>
+          <a:p>
+            <a:r>
+              <a:rPr kumimoji="1" lang="ko-KR" altLang="en-US" dirty="0"/>
+              <a:t>스마트 장치</a:t>
+            </a:r>
+            <a:r>
+              <a:rPr kumimoji="1" lang="en-US" altLang="ko-KR" dirty="0"/>
+              <a:t>, PC </a:t>
+            </a:r>
+            <a:r>
+              <a:rPr kumimoji="1" lang="ko-KR" altLang="en-US" dirty="0" err="1"/>
+              <a:t>퍼스날</a:t>
+            </a:r>
+            <a:r>
+              <a:rPr kumimoji="1" lang="en-US" altLang="ko-KR" dirty="0"/>
+              <a:t>, </a:t>
+            </a:r>
+            <a:r>
+              <a:rPr kumimoji="1" lang="ko-KR" altLang="en-US" dirty="0"/>
+              <a:t>데이터 서버</a:t>
+            </a:r>
+            <a:r>
+              <a:rPr kumimoji="1" lang="en-US" altLang="ko-KR" dirty="0"/>
+              <a:t>, </a:t>
+            </a:r>
+            <a:r>
+              <a:rPr kumimoji="1" lang="ko-KR" altLang="en-US" dirty="0"/>
+              <a:t>어플리케이션 서버</a:t>
+            </a:r>
+            <a:r>
+              <a:rPr kumimoji="1" lang="en-US" altLang="ko-KR" dirty="0"/>
+              <a:t>, </a:t>
+            </a:r>
+            <a:r>
+              <a:rPr kumimoji="1" lang="ko-KR" altLang="en-US" dirty="0"/>
+              <a:t>백업 서버</a:t>
+            </a:r>
+            <a:r>
+              <a:rPr kumimoji="1" lang="en-US" altLang="ko-KR" dirty="0"/>
+              <a:t>, </a:t>
+            </a:r>
+            <a:r>
+              <a:rPr kumimoji="1" lang="ko-KR" altLang="en-US" dirty="0"/>
+              <a:t>휴대폰</a:t>
+            </a:r>
+            <a:r>
+              <a:rPr kumimoji="1" lang="en-US" altLang="ko-KR" dirty="0"/>
+              <a:t>, </a:t>
+            </a:r>
+            <a:r>
+              <a:rPr kumimoji="1" lang="ko-KR" altLang="en-US" dirty="0"/>
+              <a:t>전화기</a:t>
+            </a:r>
+            <a:r>
+              <a:rPr kumimoji="1" lang="en-US" altLang="ko-KR" dirty="0"/>
+              <a:t>, </a:t>
+            </a:r>
+            <a:r>
+              <a:rPr kumimoji="1" lang="ko-KR" altLang="en-US" dirty="0"/>
+              <a:t>텔레비전</a:t>
+            </a:r>
+            <a:r>
+              <a:rPr kumimoji="1" lang="en-US" altLang="ko-KR" dirty="0"/>
+              <a:t>, </a:t>
+            </a:r>
+            <a:r>
+              <a:rPr kumimoji="1" lang="ko-KR" altLang="en-US" dirty="0"/>
+              <a:t>영사기</a:t>
+            </a:r>
+            <a:r>
+              <a:rPr kumimoji="1" lang="en-US" altLang="ko-KR" dirty="0"/>
+              <a:t>, </a:t>
+            </a:r>
+            <a:r>
+              <a:rPr kumimoji="1" lang="ko-KR" altLang="en-US" dirty="0" err="1"/>
+              <a:t>캠카메라인터넷지원버전</a:t>
+            </a:r>
+            <a:r>
+              <a:rPr kumimoji="1" lang="en-US" altLang="ko-KR" dirty="0"/>
+              <a:t>, </a:t>
+            </a:r>
+            <a:r>
+              <a:rPr kumimoji="1" lang="ko-KR" altLang="en-US" dirty="0" err="1"/>
+              <a:t>수퍼컴퓨팅</a:t>
+            </a:r>
+            <a:r>
+              <a:rPr kumimoji="1" lang="ko-KR" altLang="en-US" dirty="0"/>
+              <a:t> 체계들</a:t>
+            </a:r>
+            <a:endParaRPr kumimoji="1" lang="en-US" altLang="ko-KR" dirty="0"/>
+          </a:p>
+          <a:p>
+            <a:endParaRPr kumimoji="1" lang="en-US" altLang="ko-KR" dirty="0"/>
+          </a:p>
+          <a:p>
+            <a:r>
+              <a:rPr kumimoji="1" lang="ko-KR" altLang="en-US" dirty="0"/>
+              <a:t>위에 언급한 모든 장치는 칩과 관계되고 </a:t>
+            </a:r>
+            <a:r>
+              <a:rPr kumimoji="1" lang="ko-KR" altLang="en-US" dirty="0" err="1"/>
+              <a:t>메모리와도</a:t>
+            </a:r>
+            <a:r>
+              <a:rPr kumimoji="1" lang="ko-KR" altLang="en-US" dirty="0"/>
+              <a:t> 관계되어 있어서 우리가 쉽게 생각하는 친숙한 </a:t>
+            </a:r>
+            <a:r>
+              <a:rPr kumimoji="1" lang="ko-KR" altLang="en-US" dirty="0" err="1"/>
+              <a:t>퍼스날</a:t>
+            </a:r>
+            <a:r>
+              <a:rPr kumimoji="1" lang="ko-KR" altLang="en-US" dirty="0"/>
+              <a:t> 컴퓨터와도 동일한 컴퓨터 기능을 보유하므로</a:t>
+            </a:r>
+            <a:r>
+              <a:rPr kumimoji="1" lang="en-US" altLang="ko-KR" dirty="0"/>
+              <a:t>, </a:t>
+            </a:r>
+            <a:r>
+              <a:rPr kumimoji="1" lang="ko-KR" altLang="en-US" dirty="0"/>
+              <a:t>컴퓨터로 분류할 수 있습니다</a:t>
+            </a:r>
+            <a:r>
+              <a:rPr kumimoji="1" lang="en-US" altLang="ko-KR" dirty="0"/>
+              <a:t>. </a:t>
+            </a:r>
+          </a:p>
+          <a:p>
+            <a:r>
+              <a:rPr kumimoji="1" lang="ko-KR" altLang="en-US" dirty="0"/>
+              <a:t>모두 컴퓨터로 인지하고 인식을 확인해 보시기 바랍니다 </a:t>
+            </a:r>
+          </a:p>
+        </p:txBody>
+      </p:sp>
+    </p:spTree>
+    <p:extLst>
+      <p:ext uri="{BB962C8B-B14F-4D97-AF65-F5344CB8AC3E}">
+        <p14:creationId xmlns:p14="http://schemas.microsoft.com/office/powerpoint/2010/main" val="907583620"/>
+      </p:ext>
+    </p:extLst>
+  </p:cSld>
+  <p:clrMapOvr>
+    <a:masterClrMapping/>
+  </p:clrMapOvr>
+</p:sld>
+</file>
+
+<file path=ppt/slides/slide22.xml><?xml version="1.0" encoding="utf-8"?>
+<p:sld xmlns:a="http://schemas.openxmlformats.org/drawingml/2006/main" xmlns:r="http://schemas.openxmlformats.org/officeDocument/2006/relationships" xmlns:p="http://schemas.openxmlformats.org/presentationml/2006/main">
+  <p:cSld>
+    <p:spTree>
+      <p:nvGrpSpPr>
+        <p:cNvPr id="1" name=""/>
+        <p:cNvGrpSpPr/>
+        <p:nvPr/>
+      </p:nvGrpSpPr>
+      <p:grpSpPr>
+        <a:xfrm>
+          <a:off x="0" y="0"/>
+          <a:ext cx="0" cy="0"/>
+          <a:chOff x="0" y="0"/>
+          <a:chExt cx="0" cy="0"/>
+        </a:xfrm>
+      </p:grpSpPr>
+      <p:sp>
+        <p:nvSpPr>
+          <p:cNvPr id="2" name="제목 1">
+            <a:extLst>
+              <a:ext uri="{FF2B5EF4-FFF2-40B4-BE49-F238E27FC236}">
+                <a16:creationId xmlns:a16="http://schemas.microsoft.com/office/drawing/2014/main" id="{4C2836CE-C402-0241-A9B9-F10AEED9E592}"/>
+              </a:ext>
+            </a:extLst>
+          </p:cNvPr>
+          <p:cNvSpPr>
+            <a:spLocks noGrp="1"/>
+          </p:cNvSpPr>
+          <p:nvPr>
+            <p:ph type="title"/>
+          </p:nvPr>
+        </p:nvSpPr>
+        <p:spPr/>
+        <p:txBody>
+          <a:bodyPr/>
+          <a:lstStyle/>
+          <a:p>
+            <a:r>
+              <a:rPr kumimoji="1" lang="en-US" altLang="ko-KR" dirty="0"/>
+              <a:t>ARM, ARMv64, MIPS, PPC???</a:t>
+            </a:r>
+            <a:endParaRPr kumimoji="1" lang="ko-KR" altLang="en-US" dirty="0"/>
+          </a:p>
+        </p:txBody>
+      </p:sp>
+      <p:sp>
+        <p:nvSpPr>
+          <p:cNvPr id="3" name="내용 개체 틀 2">
+            <a:extLst>
+              <a:ext uri="{FF2B5EF4-FFF2-40B4-BE49-F238E27FC236}">
+                <a16:creationId xmlns:a16="http://schemas.microsoft.com/office/drawing/2014/main" id="{211CD560-6C23-0E42-9EFB-B455E3D80D85}"/>
+              </a:ext>
+            </a:extLst>
+          </p:cNvPr>
+          <p:cNvSpPr>
+            <a:spLocks noGrp="1"/>
+          </p:cNvSpPr>
+          <p:nvPr>
+            <p:ph idx="1"/>
+          </p:nvPr>
+        </p:nvSpPr>
+        <p:spPr/>
+        <p:txBody>
+          <a:bodyPr/>
+          <a:lstStyle/>
+          <a:p>
+            <a:r>
+              <a:rPr kumimoji="1" lang="ko-KR" altLang="en-US" dirty="0"/>
+              <a:t>글쎄</a:t>
+            </a:r>
+            <a:r>
+              <a:rPr kumimoji="1" lang="en-US" altLang="ko-KR" dirty="0"/>
+              <a:t>,…</a:t>
+            </a:r>
+          </a:p>
+          <a:p>
+            <a:r>
+              <a:rPr kumimoji="1" lang="ko-KR" altLang="en-US" dirty="0" err="1"/>
+              <a:t>피시해킹이</a:t>
+            </a:r>
+            <a:r>
+              <a:rPr kumimoji="1" lang="ko-KR" altLang="en-US" dirty="0"/>
+              <a:t> </a:t>
+            </a:r>
+            <a:r>
+              <a:rPr kumimoji="1" lang="ko-KR" altLang="en-US" dirty="0" err="1"/>
+              <a:t>워낙에</a:t>
+            </a:r>
+            <a:r>
+              <a:rPr kumimoji="1" lang="ko-KR" altLang="en-US" dirty="0"/>
+              <a:t> </a:t>
+            </a:r>
+            <a:r>
+              <a:rPr kumimoji="1" lang="ko-KR" altLang="en-US" dirty="0" err="1"/>
+              <a:t>신기한게</a:t>
+            </a:r>
+            <a:r>
+              <a:rPr kumimoji="1" lang="ko-KR" altLang="en-US" dirty="0"/>
+              <a:t> 많아 할 게 많은데</a:t>
+            </a:r>
+            <a:endParaRPr kumimoji="1" lang="en-US" altLang="ko-KR" dirty="0"/>
+          </a:p>
+          <a:p>
+            <a:r>
+              <a:rPr kumimoji="1" lang="ko-KR" altLang="en-US" dirty="0" err="1"/>
+              <a:t>스미싱이라는</a:t>
+            </a:r>
+            <a:r>
+              <a:rPr kumimoji="1" lang="ko-KR" altLang="en-US" dirty="0"/>
+              <a:t> 스팸메일 보내서 악성코드 유도하는 링크나 뿌리는 </a:t>
+            </a:r>
+            <a:r>
+              <a:rPr kumimoji="1" lang="ko-KR" altLang="en-US" dirty="0" err="1"/>
+              <a:t>소셜공격하려고</a:t>
+            </a:r>
+            <a:r>
+              <a:rPr kumimoji="1" lang="ko-KR" altLang="en-US" dirty="0"/>
+              <a:t> </a:t>
+            </a:r>
+            <a:r>
+              <a:rPr kumimoji="1" lang="en-US" altLang="ko-KR" dirty="0"/>
+              <a:t>ARM</a:t>
+            </a:r>
+            <a:r>
+              <a:rPr kumimoji="1" lang="ko-KR" altLang="en-US" dirty="0"/>
+              <a:t>을 배우는 것도 아니고</a:t>
+            </a:r>
+            <a:r>
+              <a:rPr kumimoji="1" lang="en-US" altLang="ko-KR" dirty="0"/>
+              <a:t>, </a:t>
+            </a:r>
+            <a:r>
+              <a:rPr kumimoji="1" lang="ko-KR" altLang="en-US" dirty="0"/>
+              <a:t>글쎄요 게임기를 만들생각으로 해킹을 하는 </a:t>
+            </a:r>
+            <a:r>
+              <a:rPr kumimoji="1" lang="en-US" altLang="ko-KR" dirty="0"/>
+              <a:t>MIPS</a:t>
+            </a:r>
+            <a:r>
+              <a:rPr kumimoji="1" lang="ko-KR" altLang="en-US" dirty="0"/>
+              <a:t>도 </a:t>
+            </a:r>
+            <a:r>
+              <a:rPr kumimoji="1" lang="ko-KR" altLang="en-US" dirty="0" err="1"/>
+              <a:t>아니구요</a:t>
+            </a:r>
+            <a:r>
+              <a:rPr kumimoji="1" lang="en-US" altLang="ko-KR" dirty="0"/>
+              <a:t>. </a:t>
+            </a:r>
+            <a:r>
+              <a:rPr kumimoji="1" lang="ko-KR" altLang="en-US" dirty="0" err="1"/>
+              <a:t>파워피씨</a:t>
+            </a:r>
+            <a:r>
+              <a:rPr kumimoji="1" lang="ko-KR" altLang="en-US" dirty="0"/>
+              <a:t> 누가 쓰나요 문제로 인해 그거 왜 </a:t>
+            </a:r>
+            <a:r>
+              <a:rPr kumimoji="1" lang="ko-KR" altLang="en-US" dirty="0" err="1"/>
+              <a:t>배우는거지</a:t>
+            </a:r>
+            <a:r>
+              <a:rPr kumimoji="1" lang="en-US" altLang="ko-KR" dirty="0"/>
+              <a:t>?!</a:t>
+            </a:r>
+            <a:r>
+              <a:rPr kumimoji="1" lang="ko-KR" altLang="en-US" dirty="0" err="1"/>
+              <a:t>라는거구요</a:t>
+            </a:r>
+            <a:r>
+              <a:rPr kumimoji="1" lang="en-US" altLang="ko-KR" dirty="0"/>
+              <a:t>.</a:t>
+            </a:r>
+          </a:p>
+          <a:p>
+            <a:r>
+              <a:rPr kumimoji="1" lang="en-US" altLang="ko-KR" dirty="0"/>
+              <a:t>64</a:t>
+            </a:r>
+            <a:r>
+              <a:rPr kumimoji="1" lang="ko-KR" altLang="en-US" dirty="0" err="1"/>
+              <a:t>비트지원하는건</a:t>
+            </a:r>
+            <a:r>
+              <a:rPr kumimoji="1" lang="ko-KR" altLang="en-US" dirty="0"/>
+              <a:t> 참 잘됐네요</a:t>
+            </a:r>
+            <a:r>
+              <a:rPr kumimoji="1" lang="en-US" altLang="ko-KR" dirty="0"/>
+              <a:t>.</a:t>
+            </a:r>
+            <a:r>
+              <a:rPr kumimoji="1" lang="ko-KR" altLang="en-US" dirty="0" err="1"/>
+              <a:t>스마트장치에쓰이니까</a:t>
+            </a:r>
+            <a:r>
+              <a:rPr kumimoji="1" lang="en-US" altLang="ko-KR" dirty="0"/>
+              <a:t>.</a:t>
+            </a:r>
+          </a:p>
+          <a:p>
+            <a:r>
+              <a:rPr kumimoji="1" lang="ko-KR" altLang="en-US" dirty="0"/>
+              <a:t>개인적으로는 저는 </a:t>
+            </a:r>
+            <a:r>
+              <a:rPr kumimoji="1" lang="en-US" altLang="ko-KR" dirty="0"/>
+              <a:t>x86, x86 64</a:t>
+            </a:r>
+            <a:r>
+              <a:rPr kumimoji="1" lang="ko-KR" altLang="en-US" dirty="0"/>
+              <a:t>면 </a:t>
+            </a:r>
+            <a:r>
+              <a:rPr kumimoji="1" lang="ko-KR" altLang="en-US" dirty="0" err="1"/>
+              <a:t>된다입니다</a:t>
+            </a:r>
+            <a:r>
+              <a:rPr kumimoji="1" lang="en-US" altLang="ko-KR" dirty="0"/>
+              <a:t>.</a:t>
+            </a:r>
+          </a:p>
+          <a:p>
+            <a:r>
+              <a:rPr kumimoji="1" lang="en-US" altLang="ko-KR" dirty="0"/>
+              <a:t>ARM</a:t>
+            </a:r>
+            <a:r>
+              <a:rPr kumimoji="1" lang="ko-KR" altLang="en-US" dirty="0"/>
+              <a:t>반대합니다</a:t>
+            </a:r>
+            <a:r>
+              <a:rPr kumimoji="1" lang="en-US" altLang="ko-KR" dirty="0"/>
+              <a:t>. 1%</a:t>
+            </a:r>
+            <a:r>
+              <a:rPr kumimoji="1" lang="ko-KR" altLang="en-US" dirty="0"/>
+              <a:t>해커님들도 쓰지 마세요</a:t>
+            </a:r>
+          </a:p>
+        </p:txBody>
+      </p:sp>
+    </p:spTree>
+    <p:extLst>
+      <p:ext uri="{BB962C8B-B14F-4D97-AF65-F5344CB8AC3E}">
+        <p14:creationId xmlns:p14="http://schemas.microsoft.com/office/powerpoint/2010/main" val="2326582541"/>
+      </p:ext>
+    </p:extLst>
+  </p:cSld>
+  <p:clrMapOvr>
+    <a:masterClrMapping/>
+  </p:clrMapOvr>
+</p:sld>
+</file>
+
+<file path=ppt/slides/slide23.xml><?xml version="1.0" encoding="utf-8"?>
+<p:sld xmlns:a="http://schemas.openxmlformats.org/drawingml/2006/main" xmlns:r="http://schemas.openxmlformats.org/officeDocument/2006/relationships" xmlns:p="http://schemas.openxmlformats.org/presentationml/2006/main">
+  <p:cSld>
+    <p:spTree>
+      <p:nvGrpSpPr>
+        <p:cNvPr id="1" name=""/>
+        <p:cNvGrpSpPr/>
+        <p:nvPr/>
+      </p:nvGrpSpPr>
+      <p:grpSpPr>
+        <a:xfrm>
+          <a:off x="0" y="0"/>
+          <a:ext cx="0" cy="0"/>
+          <a:chOff x="0" y="0"/>
+          <a:chExt cx="0" cy="0"/>
+        </a:xfrm>
+      </p:grpSpPr>
+      <p:sp>
+        <p:nvSpPr>
+          <p:cNvPr id="2" name="제목 1">
+            <a:extLst>
+              <a:ext uri="{FF2B5EF4-FFF2-40B4-BE49-F238E27FC236}">
+                <a16:creationId xmlns:a16="http://schemas.microsoft.com/office/drawing/2014/main" id="{56404A80-CC32-B04A-AAB6-DD1F5A09AED2}"/>
+              </a:ext>
+            </a:extLst>
+          </p:cNvPr>
+          <p:cNvSpPr>
+            <a:spLocks noGrp="1"/>
+          </p:cNvSpPr>
+          <p:nvPr>
+            <p:ph type="title"/>
+          </p:nvPr>
+        </p:nvSpPr>
+        <p:spPr/>
+        <p:txBody>
+          <a:bodyPr>
+            <a:normAutofit/>
+          </a:bodyPr>
+          <a:lstStyle/>
+          <a:p>
+            <a:r>
+              <a:rPr kumimoji="1" lang="ko-KR" altLang="en-US" sz="4000" dirty="0"/>
+              <a:t>취약성과 </a:t>
+            </a:r>
+            <a:r>
+              <a:rPr kumimoji="1" lang="ko-KR" altLang="en-US" sz="4000" dirty="0" err="1"/>
+              <a:t>공격코드</a:t>
+            </a:r>
+            <a:r>
+              <a:rPr kumimoji="1" lang="ko-KR" altLang="en-US" sz="4000" dirty="0"/>
+              <a:t> 그리고 </a:t>
+            </a:r>
+            <a:r>
+              <a:rPr kumimoji="1" lang="ko-KR" altLang="en-US" sz="4000" dirty="0" err="1"/>
+              <a:t>공격기술의</a:t>
+            </a:r>
+            <a:r>
+              <a:rPr kumimoji="1" lang="ko-KR" altLang="en-US" sz="4000" dirty="0"/>
+              <a:t> 차이</a:t>
+            </a:r>
+            <a:r>
+              <a:rPr kumimoji="1" lang="en-US" altLang="ko-KR" sz="4000" dirty="0"/>
+              <a:t>?</a:t>
+            </a:r>
+            <a:endParaRPr kumimoji="1" lang="ko-KR" altLang="en-US" sz="4000" dirty="0"/>
+          </a:p>
+        </p:txBody>
+      </p:sp>
+      <p:sp>
+        <p:nvSpPr>
+          <p:cNvPr id="3" name="내용 개체 틀 2">
+            <a:extLst>
+              <a:ext uri="{FF2B5EF4-FFF2-40B4-BE49-F238E27FC236}">
+                <a16:creationId xmlns:a16="http://schemas.microsoft.com/office/drawing/2014/main" id="{E7DE180A-99AB-9044-B1F1-91363B6B8B01}"/>
+              </a:ext>
+            </a:extLst>
+          </p:cNvPr>
+          <p:cNvSpPr>
+            <a:spLocks noGrp="1"/>
+          </p:cNvSpPr>
+          <p:nvPr>
+            <p:ph idx="1"/>
+          </p:nvPr>
+        </p:nvSpPr>
+        <p:spPr/>
+        <p:txBody>
+          <a:bodyPr>
+            <a:normAutofit fontScale="92500" lnSpcReduction="10000"/>
+          </a:bodyPr>
+          <a:lstStyle/>
+          <a:p>
+            <a:r>
+              <a:rPr kumimoji="1" lang="ko-KR" altLang="en-US" sz="2400" dirty="0"/>
+              <a:t>취약성은 공격 기법을 만들기 위해서 필요하고 공격 코드를 만들기 위해서도 필요합니다</a:t>
+            </a:r>
+            <a:r>
+              <a:rPr kumimoji="1" lang="en-US" altLang="ko-KR" sz="2400" dirty="0"/>
+              <a:t>. </a:t>
+            </a:r>
+            <a:r>
+              <a:rPr kumimoji="1" lang="ko-KR" altLang="en-US" sz="2400" dirty="0" err="1"/>
+              <a:t>공통성질의</a:t>
+            </a:r>
+            <a:r>
+              <a:rPr kumimoji="1" lang="ko-KR" altLang="en-US" sz="2400" dirty="0"/>
+              <a:t> </a:t>
+            </a:r>
+            <a:r>
+              <a:rPr kumimoji="1" lang="ko-KR" altLang="en-US" sz="2400" dirty="0" err="1"/>
+              <a:t>공격코드</a:t>
+            </a:r>
+            <a:r>
+              <a:rPr kumimoji="1" lang="en-US" altLang="ko-KR" sz="2400" dirty="0"/>
+              <a:t>vs</a:t>
+            </a:r>
+            <a:r>
+              <a:rPr kumimoji="1" lang="ko-KR" altLang="en-US" sz="2400" dirty="0" err="1"/>
+              <a:t>공격기법은</a:t>
+            </a:r>
+            <a:r>
+              <a:rPr kumimoji="1" lang="ko-KR" altLang="en-US" sz="2400" dirty="0"/>
+              <a:t> 한마디로 </a:t>
+            </a:r>
+            <a:r>
+              <a:rPr kumimoji="1" lang="ko-KR" altLang="en-US" sz="2400" dirty="0" err="1"/>
+              <a:t>테크니키</a:t>
+            </a:r>
+            <a:r>
+              <a:rPr kumimoji="1" lang="en-US" altLang="ko-KR" sz="2400" dirty="0"/>
+              <a:t>(</a:t>
+            </a:r>
+            <a:r>
+              <a:rPr kumimoji="1" lang="ko-KR" altLang="en-US" sz="2400" dirty="0"/>
+              <a:t>기법</a:t>
+            </a:r>
+            <a:r>
+              <a:rPr kumimoji="1" lang="en-US" altLang="ko-KR" sz="2400" dirty="0"/>
+              <a:t>) </a:t>
+            </a:r>
+            <a:r>
+              <a:rPr kumimoji="1" lang="ko-KR" altLang="en-US" sz="2400" dirty="0"/>
+              <a:t>또는 </a:t>
+            </a:r>
+            <a:r>
+              <a:rPr kumimoji="1" lang="ko-KR" altLang="en-US" sz="2400" dirty="0" err="1"/>
+              <a:t>메소드</a:t>
+            </a:r>
+            <a:r>
+              <a:rPr kumimoji="1" lang="en-US" altLang="ko-KR" sz="2400" dirty="0"/>
+              <a:t>(</a:t>
+            </a:r>
+            <a:r>
+              <a:rPr kumimoji="1" lang="ko-KR" altLang="en-US" sz="2400" dirty="0"/>
+              <a:t>등장 방법</a:t>
+            </a:r>
+            <a:r>
+              <a:rPr kumimoji="1" lang="en-US" altLang="ko-KR" sz="2400" dirty="0"/>
+              <a:t>)</a:t>
+            </a:r>
+            <a:r>
+              <a:rPr kumimoji="1" lang="ko-KR" altLang="en-US" sz="2400" dirty="0"/>
+              <a:t>이라고 분류됩니다</a:t>
+            </a:r>
+            <a:r>
+              <a:rPr kumimoji="1" lang="en-US" altLang="ko-KR" sz="2400" dirty="0"/>
+              <a:t>. </a:t>
+            </a:r>
+          </a:p>
+          <a:p>
+            <a:endParaRPr kumimoji="1" lang="en-US" altLang="ko-KR" sz="2400" dirty="0"/>
+          </a:p>
+          <a:p>
+            <a:r>
+              <a:rPr kumimoji="1" lang="ko-KR" altLang="en-US" sz="2400" dirty="0"/>
+              <a:t>핵심은 </a:t>
+            </a:r>
+            <a:r>
+              <a:rPr kumimoji="1" lang="ko-KR" altLang="en-US" sz="2400" b="1" dirty="0"/>
+              <a:t>취약성의 이해</a:t>
+            </a:r>
+            <a:r>
+              <a:rPr kumimoji="1" lang="ko-KR" altLang="en-US" sz="2400" dirty="0"/>
+              <a:t>에 있고</a:t>
+            </a:r>
+            <a:r>
+              <a:rPr kumimoji="1" lang="en-US" altLang="ko-KR" sz="2400" dirty="0"/>
+              <a:t>, </a:t>
+            </a:r>
+            <a:r>
+              <a:rPr kumimoji="1" lang="ko-KR" altLang="en-US" sz="2400" dirty="0"/>
+              <a:t>또 공격이 되는 </a:t>
+            </a:r>
+            <a:r>
+              <a:rPr kumimoji="1" lang="ko-KR" altLang="en-US" sz="2400" b="1" dirty="0"/>
+              <a:t>성공 코드를 읽는 것</a:t>
+            </a:r>
+            <a:r>
+              <a:rPr kumimoji="1" lang="ko-KR" altLang="en-US" sz="2400" dirty="0"/>
+              <a:t>에 있어서 </a:t>
+            </a:r>
+            <a:r>
+              <a:rPr kumimoji="1" lang="ko-KR" altLang="en-US" sz="2400" b="1" dirty="0"/>
+              <a:t>자료 관리를 잘하고 분석</a:t>
+            </a:r>
+            <a:r>
+              <a:rPr kumimoji="1" lang="ko-KR" altLang="en-US" sz="2400" dirty="0"/>
+              <a:t>하는 것이 해커의 실력에 도움이 됩니다</a:t>
+            </a:r>
+            <a:r>
+              <a:rPr kumimoji="1" lang="en-US" altLang="ko-KR" sz="2400" dirty="0"/>
+              <a:t>. </a:t>
+            </a:r>
+            <a:r>
+              <a:rPr kumimoji="1" lang="ko-KR" altLang="en-US" sz="2400" dirty="0" err="1"/>
+              <a:t>신규원데이취약성을</a:t>
+            </a:r>
+            <a:r>
+              <a:rPr kumimoji="1" lang="ko-KR" altLang="en-US" sz="2400" dirty="0"/>
+              <a:t> 찾아서 </a:t>
+            </a:r>
+            <a:r>
+              <a:rPr kumimoji="1" lang="ko-KR" altLang="en-US" sz="2400" dirty="0" err="1"/>
+              <a:t>퍼징을</a:t>
+            </a:r>
+            <a:r>
+              <a:rPr kumimoji="1" lang="ko-KR" altLang="en-US" sz="2400" dirty="0"/>
+              <a:t> 하고 공격 코드를 쉽게 </a:t>
+            </a:r>
+            <a:r>
+              <a:rPr kumimoji="1" lang="ko-KR" altLang="en-US" sz="2400" dirty="0" err="1"/>
+              <a:t>작성하느니하는</a:t>
+            </a:r>
+            <a:r>
+              <a:rPr kumimoji="1" lang="ko-KR" altLang="en-US" sz="2400" dirty="0"/>
+              <a:t> 말은 믿지 않는게 좋습니다</a:t>
+            </a:r>
+            <a:r>
+              <a:rPr kumimoji="1" lang="en-US" altLang="ko-KR" sz="2400" dirty="0"/>
+              <a:t>. </a:t>
+            </a:r>
+            <a:r>
+              <a:rPr kumimoji="1" lang="ko-KR" altLang="en-US" sz="2400" dirty="0"/>
+              <a:t>여러 사람들의 공동작업인 경우가 더러 있습니다</a:t>
+            </a:r>
+            <a:r>
+              <a:rPr kumimoji="1" lang="en-US" altLang="ko-KR" sz="2400" dirty="0"/>
+              <a:t>. </a:t>
+            </a:r>
+            <a:r>
+              <a:rPr kumimoji="1" lang="ko-KR" altLang="en-US" sz="2400" dirty="0"/>
+              <a:t>솔로로 실력을 </a:t>
+            </a:r>
+            <a:r>
+              <a:rPr kumimoji="1" lang="en-US" altLang="ko-KR" sz="2400" dirty="0"/>
+              <a:t>1%</a:t>
+            </a:r>
+            <a:r>
+              <a:rPr kumimoji="1" lang="ko-KR" altLang="en-US" sz="2400" dirty="0"/>
+              <a:t>해커로 </a:t>
+            </a:r>
+            <a:r>
+              <a:rPr kumimoji="1" lang="ko-KR" altLang="en-US" sz="2400" dirty="0" err="1"/>
+              <a:t>키운거라면</a:t>
+            </a:r>
+            <a:r>
+              <a:rPr kumimoji="1" lang="en-US" altLang="ko-KR" sz="2400" dirty="0"/>
+              <a:t> </a:t>
+            </a:r>
+            <a:r>
+              <a:rPr kumimoji="1" lang="ko-KR" altLang="en-US" sz="2400" dirty="0"/>
+              <a:t>차라리 쉬운 코드라도 하나씩 테스트해보고 되는지 여부를 고쳐서 </a:t>
+            </a:r>
+            <a:r>
+              <a:rPr kumimoji="1" lang="ko-KR" altLang="en-US" sz="2400" b="1" dirty="0"/>
+              <a:t>좀 더 잘 되게 보유하는 것</a:t>
+            </a:r>
+            <a:r>
+              <a:rPr kumimoji="1" lang="ko-KR" altLang="en-US" sz="2400" dirty="0"/>
+              <a:t>이 좋은 실력 유지 방법이 됩니다</a:t>
+            </a:r>
+            <a:r>
+              <a:rPr kumimoji="1" lang="en-US" altLang="ko-KR" sz="2400" dirty="0"/>
+              <a:t>. </a:t>
+            </a:r>
+            <a:r>
+              <a:rPr kumimoji="1" lang="ko-KR" altLang="en-US" sz="2400" dirty="0"/>
+              <a:t>이것을 스크립트 </a:t>
+            </a:r>
+            <a:r>
+              <a:rPr kumimoji="1" lang="ko-KR" altLang="en-US" sz="2400" dirty="0" err="1"/>
+              <a:t>코더</a:t>
+            </a:r>
+            <a:r>
+              <a:rPr kumimoji="1" lang="ko-KR" altLang="en-US" sz="2400" dirty="0"/>
+              <a:t> 차원이긴 하지만 재미도 있고 해커에 대한 이해도 늘리기엔 좋은 포즈</a:t>
+            </a:r>
+            <a:r>
+              <a:rPr kumimoji="1" lang="en-US" altLang="ko-KR" sz="2400" dirty="0"/>
+              <a:t>(</a:t>
+            </a:r>
+            <a:r>
+              <a:rPr kumimoji="1" lang="ko-KR" altLang="en-US" sz="2400" dirty="0" err="1"/>
+              <a:t>자세감</a:t>
+            </a:r>
+            <a:r>
+              <a:rPr kumimoji="1" lang="en-US" altLang="ko-KR" sz="2400" dirty="0"/>
+              <a:t>)</a:t>
+            </a:r>
+            <a:r>
+              <a:rPr kumimoji="1" lang="ko-KR" altLang="en-US" sz="2400" dirty="0" err="1"/>
+              <a:t>인거</a:t>
+            </a:r>
+            <a:r>
+              <a:rPr kumimoji="1" lang="ko-KR" altLang="en-US" sz="2400" dirty="0"/>
+              <a:t> 같네요</a:t>
+            </a:r>
+            <a:endParaRPr kumimoji="1" lang="en-US" altLang="ko-KR" sz="2400" dirty="0"/>
+          </a:p>
+          <a:p>
+            <a:r>
+              <a:rPr kumimoji="1" lang="ko-KR" altLang="en-US" dirty="0"/>
+              <a:t> </a:t>
+            </a:r>
+          </a:p>
+        </p:txBody>
+      </p:sp>
+    </p:spTree>
+    <p:extLst>
+      <p:ext uri="{BB962C8B-B14F-4D97-AF65-F5344CB8AC3E}">
+        <p14:creationId xmlns:p14="http://schemas.microsoft.com/office/powerpoint/2010/main" val="1622487835"/>
+      </p:ext>
+    </p:extLst>
+  </p:cSld>
+  <p:clrMapOvr>
+    <a:masterClrMapping/>
+  </p:clrMapOvr>
+</p:sld>
+</file>
+
+<file path=ppt/slides/slide24.xml><?xml version="1.0" encoding="utf-8"?>
+<p:sld xmlns:a="http://schemas.openxmlformats.org/drawingml/2006/main" xmlns:r="http://schemas.openxmlformats.org/officeDocument/2006/relationships" xmlns:p="http://schemas.openxmlformats.org/presentationml/2006/main">
+  <p:cSld>
+    <p:spTree>
+      <p:nvGrpSpPr>
+        <p:cNvPr id="1" name=""/>
+        <p:cNvGrpSpPr/>
+        <p:nvPr/>
+      </p:nvGrpSpPr>
+      <p:grpSpPr>
+        <a:xfrm>
+          <a:off x="0" y="0"/>
+          <a:ext cx="0" cy="0"/>
+          <a:chOff x="0" y="0"/>
+          <a:chExt cx="0" cy="0"/>
+        </a:xfrm>
+      </p:grpSpPr>
+      <p:sp>
+        <p:nvSpPr>
+          <p:cNvPr id="2" name="제목 1">
+            <a:extLst>
+              <a:ext uri="{FF2B5EF4-FFF2-40B4-BE49-F238E27FC236}">
+                <a16:creationId xmlns:a16="http://schemas.microsoft.com/office/drawing/2014/main" id="{5153C83E-8BBB-4048-A10E-F91FF5884FC0}"/>
+              </a:ext>
+            </a:extLst>
+          </p:cNvPr>
+          <p:cNvSpPr>
+            <a:spLocks noGrp="1"/>
+          </p:cNvSpPr>
+          <p:nvPr>
+            <p:ph type="title"/>
+          </p:nvPr>
+        </p:nvSpPr>
+        <p:spPr/>
+        <p:txBody>
+          <a:bodyPr/>
+          <a:lstStyle/>
+          <a:p>
+            <a:r>
+              <a:rPr kumimoji="1" lang="ko-KR" altLang="en-US" dirty="0" err="1"/>
+              <a:t>책저작에</a:t>
+            </a:r>
+            <a:r>
+              <a:rPr kumimoji="1" lang="ko-KR" altLang="en-US" dirty="0"/>
+              <a:t> 관해서</a:t>
+            </a:r>
+            <a:r>
+              <a:rPr kumimoji="1" lang="en-US" altLang="ko-KR" dirty="0"/>
+              <a:t>,.</a:t>
+            </a:r>
+            <a:endParaRPr kumimoji="1" lang="ko-KR" altLang="en-US" dirty="0"/>
+          </a:p>
+        </p:txBody>
+      </p:sp>
+      <p:sp>
+        <p:nvSpPr>
+          <p:cNvPr id="3" name="내용 개체 틀 2">
+            <a:extLst>
+              <a:ext uri="{FF2B5EF4-FFF2-40B4-BE49-F238E27FC236}">
+                <a16:creationId xmlns:a16="http://schemas.microsoft.com/office/drawing/2014/main" id="{B88E4605-C159-444B-8C72-851562D054A1}"/>
+              </a:ext>
+            </a:extLst>
+          </p:cNvPr>
+          <p:cNvSpPr>
+            <a:spLocks noGrp="1"/>
+          </p:cNvSpPr>
+          <p:nvPr>
+            <p:ph idx="1"/>
+          </p:nvPr>
+        </p:nvSpPr>
+        <p:spPr/>
+        <p:txBody>
+          <a:bodyPr>
+            <a:normAutofit/>
+          </a:bodyPr>
+          <a:lstStyle/>
+          <a:p>
+            <a:r>
+              <a:rPr kumimoji="1" lang="ko-KR" altLang="en-US" sz="2400" dirty="0"/>
+              <a:t>제가 제작하려는 책은 공개한 내용을 모아서 보충 설명하면서 한권의 </a:t>
+            </a:r>
+            <a:r>
+              <a:rPr kumimoji="1" lang="en-US" altLang="ko-KR" sz="2400" dirty="0"/>
+              <a:t>300</a:t>
+            </a:r>
+            <a:r>
+              <a:rPr kumimoji="1" lang="ko-KR" altLang="en-US" sz="2400" dirty="0"/>
+              <a:t>페이지가 되는 딱 정확히 </a:t>
+            </a:r>
+            <a:r>
+              <a:rPr kumimoji="1" lang="en-US" altLang="ko-KR" sz="2400" b="1" dirty="0"/>
+              <a:t>300</a:t>
+            </a:r>
+            <a:r>
+              <a:rPr kumimoji="1" lang="ko-KR" altLang="en-US" sz="2400" b="1" dirty="0"/>
+              <a:t>페이지의 </a:t>
+            </a:r>
+            <a:r>
+              <a:rPr kumimoji="1" lang="en-US" altLang="ko-KR" sz="2400" b="1" dirty="0"/>
+              <a:t>A4</a:t>
+            </a:r>
+            <a:r>
+              <a:rPr kumimoji="1" lang="ko-KR" altLang="en-US" sz="2400" b="1" dirty="0"/>
+              <a:t>용지에 검은 글자로 흑백 인쇄된 그림을 포함하는게 적은 책</a:t>
+            </a:r>
+            <a:r>
+              <a:rPr kumimoji="1" lang="ko-KR" altLang="en-US" sz="2400" dirty="0"/>
+              <a:t>입니다</a:t>
+            </a:r>
+            <a:r>
+              <a:rPr kumimoji="1" lang="en-US" altLang="ko-KR" sz="2400" dirty="0"/>
+              <a:t>.</a:t>
+            </a:r>
+          </a:p>
+          <a:p>
+            <a:endParaRPr kumimoji="1" lang="en-US" altLang="ko-KR" sz="2400" dirty="0"/>
+          </a:p>
+          <a:p>
+            <a:r>
+              <a:rPr kumimoji="1" lang="ko-KR" altLang="en-US" sz="2400" dirty="0"/>
+              <a:t>표지는 </a:t>
+            </a:r>
+            <a:r>
+              <a:rPr kumimoji="1" lang="ko-KR" altLang="en-US" sz="2400" dirty="0" err="1"/>
+              <a:t>칼라구요</a:t>
+            </a:r>
+            <a:r>
+              <a:rPr kumimoji="1" lang="en-US" altLang="ko-KR" sz="2400" dirty="0"/>
+              <a:t>.</a:t>
+            </a:r>
+          </a:p>
+          <a:p>
+            <a:r>
+              <a:rPr kumimoji="1" lang="ko-KR" altLang="en-US" sz="2400" b="1" dirty="0"/>
+              <a:t>비용은 </a:t>
+            </a:r>
+            <a:r>
+              <a:rPr kumimoji="1" lang="en-US" altLang="ko-KR" sz="2400" b="1" dirty="0"/>
+              <a:t>50</a:t>
+            </a:r>
+            <a:r>
+              <a:rPr kumimoji="1" lang="ko-KR" altLang="en-US" sz="2400" b="1" dirty="0"/>
+              <a:t>만원</a:t>
+            </a:r>
+            <a:r>
+              <a:rPr kumimoji="1" lang="ko-KR" altLang="en-US" sz="2400" dirty="0"/>
+              <a:t>입니다</a:t>
+            </a:r>
+            <a:r>
+              <a:rPr kumimoji="1" lang="en-US" altLang="ko-KR" sz="2400" dirty="0"/>
+              <a:t>. </a:t>
+            </a:r>
+            <a:r>
+              <a:rPr kumimoji="1" lang="ko-KR" altLang="en-US" sz="2400" dirty="0"/>
+              <a:t>이 정도 책은 그렇게 저작했을 때 그만큼 받거든요</a:t>
+            </a:r>
+            <a:r>
+              <a:rPr kumimoji="1" lang="en-US" altLang="ko-KR" sz="2400" dirty="0"/>
+              <a:t>? </a:t>
+            </a:r>
+            <a:r>
+              <a:rPr kumimoji="1" lang="ko-KR" altLang="en-US" sz="2400" dirty="0"/>
+              <a:t>네 </a:t>
+            </a:r>
+            <a:r>
+              <a:rPr kumimoji="1" lang="ko-KR" altLang="en-US" sz="2400" dirty="0" err="1"/>
+              <a:t>권당입니다</a:t>
+            </a:r>
+            <a:r>
+              <a:rPr kumimoji="1" lang="en-US" altLang="ko-KR" sz="2400" dirty="0"/>
+              <a:t>.</a:t>
+            </a:r>
+          </a:p>
+          <a:p>
+            <a:r>
+              <a:rPr kumimoji="1" lang="ko-KR" altLang="en-US" sz="2400" dirty="0" err="1"/>
+              <a:t>어디서도찾아보기힘든자료니까요</a:t>
+            </a:r>
+            <a:r>
+              <a:rPr kumimoji="1" lang="en-US" altLang="ko-KR" sz="2400" dirty="0"/>
+              <a:t>. </a:t>
+            </a:r>
+            <a:r>
+              <a:rPr kumimoji="1" lang="ko-KR" altLang="en-US" sz="2400" b="1" dirty="0" err="1"/>
+              <a:t>읽는데는</a:t>
+            </a:r>
+            <a:r>
+              <a:rPr kumimoji="1" lang="ko-KR" altLang="en-US" sz="2400" b="1" dirty="0"/>
+              <a:t> </a:t>
+            </a:r>
+            <a:r>
+              <a:rPr kumimoji="1" lang="en-US" altLang="ko-KR" sz="2400" b="1" dirty="0"/>
+              <a:t>2</a:t>
+            </a:r>
+            <a:r>
+              <a:rPr kumimoji="1" lang="ko-KR" altLang="en-US" sz="2400" b="1" dirty="0"/>
+              <a:t>분에서 </a:t>
+            </a:r>
+            <a:r>
+              <a:rPr kumimoji="1" lang="en-US" altLang="ko-KR" sz="2400" b="1" dirty="0"/>
+              <a:t>2</a:t>
+            </a:r>
+            <a:r>
+              <a:rPr kumimoji="1" lang="ko-KR" altLang="en-US" sz="2400" b="1" dirty="0"/>
+              <a:t>시간 </a:t>
+            </a:r>
+            <a:r>
+              <a:rPr kumimoji="1" lang="ko-KR" altLang="en-US" sz="2400" dirty="0" err="1"/>
+              <a:t>걸리실텐데</a:t>
+            </a:r>
+            <a:r>
+              <a:rPr kumimoji="1" lang="en-US" altLang="ko-KR" sz="2400" dirty="0"/>
+              <a:t>, </a:t>
+            </a:r>
+            <a:r>
+              <a:rPr kumimoji="1" lang="ko-KR" altLang="en-US" sz="2400" dirty="0"/>
+              <a:t>다시 </a:t>
+            </a:r>
+            <a:r>
+              <a:rPr kumimoji="1" lang="ko-KR" altLang="en-US" sz="2400" dirty="0" err="1"/>
+              <a:t>찾아보셔도</a:t>
+            </a:r>
+            <a:r>
+              <a:rPr kumimoji="1" lang="ko-KR" altLang="en-US" sz="2400" dirty="0"/>
+              <a:t> 맞는 말로 되어 있어서 </a:t>
+            </a:r>
+            <a:r>
+              <a:rPr kumimoji="1" lang="ko-KR" altLang="en-US" sz="2400" dirty="0" err="1"/>
+              <a:t>키디를</a:t>
+            </a:r>
+            <a:r>
+              <a:rPr kumimoji="1" lang="ko-KR" altLang="en-US" sz="2400" dirty="0"/>
+              <a:t> 느끼지 않으실 겁니다</a:t>
+            </a:r>
+            <a:r>
+              <a:rPr kumimoji="1" lang="en-US" altLang="ko-KR" sz="2400" dirty="0"/>
+              <a:t>. </a:t>
+            </a:r>
+            <a:r>
+              <a:rPr kumimoji="1" lang="ko-KR" altLang="en-US" sz="2400" dirty="0" err="1"/>
+              <a:t>못느끼니까</a:t>
+            </a:r>
+            <a:r>
+              <a:rPr kumimoji="1" lang="ko-KR" altLang="en-US" sz="2400" dirty="0"/>
+              <a:t> 키드가 아니다</a:t>
+            </a:r>
+            <a:r>
+              <a:rPr kumimoji="1" lang="en-US" altLang="ko-KR" sz="2400" dirty="0"/>
+              <a:t>!</a:t>
+            </a:r>
+          </a:p>
+          <a:p>
+            <a:r>
+              <a:rPr kumimoji="1" lang="ko-KR" altLang="en-US" sz="2400" dirty="0"/>
+              <a:t>감사</a:t>
+            </a:r>
+            <a:r>
+              <a:rPr kumimoji="1" lang="en-US" altLang="ko-KR" sz="2400" dirty="0"/>
+              <a:t>! </a:t>
+            </a:r>
+            <a:endParaRPr kumimoji="1" lang="ko-KR" altLang="en-US" sz="2400" dirty="0"/>
+          </a:p>
+        </p:txBody>
+      </p:sp>
+    </p:spTree>
+    <p:extLst>
+      <p:ext uri="{BB962C8B-B14F-4D97-AF65-F5344CB8AC3E}">
+        <p14:creationId xmlns:p14="http://schemas.microsoft.com/office/powerpoint/2010/main" val="1713644790"/>
+      </p:ext>
+    </p:extLst>
+  </p:cSld>
+  <p:clrMapOvr>
+    <a:masterClrMapping/>
+  </p:clrMapOvr>
+</p:sld>
+</file>
+
+<file path=ppt/slides/slide3.xml><?xml version="1.0" encoding="utf-8"?>
 <p:sld xmlns:a="http://schemas.openxmlformats.org/drawingml/2006/main" xmlns:r="http://schemas.openxmlformats.org/officeDocument/2006/relationships" xmlns:p="http://schemas.openxmlformats.org/presentationml/2006/main">
   <p:cSld>
     <p:spTree>
@@ -7712,760 +9244,7 @@
 </p:sld>
 </file>
 
-<file path=ppt/slides/slide20.xml><?xml version="1.0" encoding="utf-8"?>
-<p:sld xmlns:a="http://schemas.openxmlformats.org/drawingml/2006/main" xmlns:r="http://schemas.openxmlformats.org/officeDocument/2006/relationships" xmlns:p="http://schemas.openxmlformats.org/presentationml/2006/main">
-  <p:cSld>
-    <p:spTree>
-      <p:nvGrpSpPr>
-        <p:cNvPr id="1" name=""/>
-        <p:cNvGrpSpPr/>
-        <p:nvPr/>
-      </p:nvGrpSpPr>
-      <p:grpSpPr>
-        <a:xfrm>
-          <a:off x="0" y="0"/>
-          <a:ext cx="0" cy="0"/>
-          <a:chOff x="0" y="0"/>
-          <a:chExt cx="0" cy="0"/>
-        </a:xfrm>
-      </p:grpSpPr>
-      <p:sp>
-        <p:nvSpPr>
-          <p:cNvPr id="2" name="제목 1">
-            <a:extLst>
-              <a:ext uri="{FF2B5EF4-FFF2-40B4-BE49-F238E27FC236}">
-                <a16:creationId xmlns:a16="http://schemas.microsoft.com/office/drawing/2014/main" id="{AE2DF1CD-4A03-F94C-B717-09CEC6C19B37}"/>
-              </a:ext>
-            </a:extLst>
-          </p:cNvPr>
-          <p:cNvSpPr>
-            <a:spLocks noGrp="1"/>
-          </p:cNvSpPr>
-          <p:nvPr>
-            <p:ph type="title"/>
-          </p:nvPr>
-        </p:nvSpPr>
-        <p:spPr/>
-        <p:txBody>
-          <a:bodyPr/>
-          <a:lstStyle/>
-          <a:p>
-            <a:r>
-              <a:rPr kumimoji="1" lang="en-US" altLang="ko-KR" dirty="0"/>
-              <a:t>-</a:t>
-            </a:r>
-            <a:r>
-              <a:rPr kumimoji="1" lang="ko-KR" altLang="en-US" dirty="0"/>
-              <a:t> 컴퓨터의 범위</a:t>
-            </a:r>
-          </a:p>
-        </p:txBody>
-      </p:sp>
-      <p:sp>
-        <p:nvSpPr>
-          <p:cNvPr id="3" name="내용 개체 틀 2">
-            <a:extLst>
-              <a:ext uri="{FF2B5EF4-FFF2-40B4-BE49-F238E27FC236}">
-                <a16:creationId xmlns:a16="http://schemas.microsoft.com/office/drawing/2014/main" id="{7E29C157-E816-0541-96D9-DF6585B85B65}"/>
-              </a:ext>
-            </a:extLst>
-          </p:cNvPr>
-          <p:cNvSpPr>
-            <a:spLocks noGrp="1"/>
-          </p:cNvSpPr>
-          <p:nvPr>
-            <p:ph idx="1"/>
-          </p:nvPr>
-        </p:nvSpPr>
-        <p:spPr/>
-        <p:txBody>
-          <a:bodyPr/>
-          <a:lstStyle/>
-          <a:p>
-            <a:r>
-              <a:rPr kumimoji="1" lang="ko-KR" altLang="en-US" dirty="0"/>
-              <a:t>스마트 장치</a:t>
-            </a:r>
-            <a:r>
-              <a:rPr kumimoji="1" lang="en-US" altLang="ko-KR" dirty="0"/>
-              <a:t>, PC </a:t>
-            </a:r>
-            <a:r>
-              <a:rPr kumimoji="1" lang="ko-KR" altLang="en-US" dirty="0" err="1"/>
-              <a:t>퍼스날</a:t>
-            </a:r>
-            <a:r>
-              <a:rPr kumimoji="1" lang="en-US" altLang="ko-KR" dirty="0"/>
-              <a:t>, </a:t>
-            </a:r>
-            <a:r>
-              <a:rPr kumimoji="1" lang="ko-KR" altLang="en-US" dirty="0"/>
-              <a:t>데이터 서버</a:t>
-            </a:r>
-            <a:r>
-              <a:rPr kumimoji="1" lang="en-US" altLang="ko-KR" dirty="0"/>
-              <a:t>, </a:t>
-            </a:r>
-            <a:r>
-              <a:rPr kumimoji="1" lang="ko-KR" altLang="en-US" dirty="0"/>
-              <a:t>어플리케이션 서버</a:t>
-            </a:r>
-            <a:r>
-              <a:rPr kumimoji="1" lang="en-US" altLang="ko-KR" dirty="0"/>
-              <a:t>, </a:t>
-            </a:r>
-            <a:r>
-              <a:rPr kumimoji="1" lang="ko-KR" altLang="en-US" dirty="0"/>
-              <a:t>백업 서버</a:t>
-            </a:r>
-            <a:r>
-              <a:rPr kumimoji="1" lang="en-US" altLang="ko-KR" dirty="0"/>
-              <a:t>, </a:t>
-            </a:r>
-            <a:r>
-              <a:rPr kumimoji="1" lang="ko-KR" altLang="en-US" dirty="0"/>
-              <a:t>휴대폰</a:t>
-            </a:r>
-            <a:r>
-              <a:rPr kumimoji="1" lang="en-US" altLang="ko-KR" dirty="0"/>
-              <a:t>, </a:t>
-            </a:r>
-            <a:r>
-              <a:rPr kumimoji="1" lang="ko-KR" altLang="en-US" dirty="0"/>
-              <a:t>전화기</a:t>
-            </a:r>
-            <a:r>
-              <a:rPr kumimoji="1" lang="en-US" altLang="ko-KR" dirty="0"/>
-              <a:t>, </a:t>
-            </a:r>
-            <a:r>
-              <a:rPr kumimoji="1" lang="ko-KR" altLang="en-US" dirty="0"/>
-              <a:t>텔레비전</a:t>
-            </a:r>
-            <a:r>
-              <a:rPr kumimoji="1" lang="en-US" altLang="ko-KR" dirty="0"/>
-              <a:t>, </a:t>
-            </a:r>
-            <a:r>
-              <a:rPr kumimoji="1" lang="ko-KR" altLang="en-US" dirty="0"/>
-              <a:t>영사기</a:t>
-            </a:r>
-            <a:r>
-              <a:rPr kumimoji="1" lang="en-US" altLang="ko-KR" dirty="0"/>
-              <a:t>, </a:t>
-            </a:r>
-            <a:r>
-              <a:rPr kumimoji="1" lang="ko-KR" altLang="en-US" dirty="0" err="1"/>
-              <a:t>캠카메라인터넷지원버전</a:t>
-            </a:r>
-            <a:r>
-              <a:rPr kumimoji="1" lang="en-US" altLang="ko-KR" dirty="0"/>
-              <a:t>, </a:t>
-            </a:r>
-            <a:r>
-              <a:rPr kumimoji="1" lang="ko-KR" altLang="en-US" dirty="0" err="1"/>
-              <a:t>수퍼컴퓨팅</a:t>
-            </a:r>
-            <a:r>
-              <a:rPr kumimoji="1" lang="ko-KR" altLang="en-US" dirty="0"/>
-              <a:t> 체계들</a:t>
-            </a:r>
-            <a:endParaRPr kumimoji="1" lang="en-US" altLang="ko-KR" dirty="0"/>
-          </a:p>
-          <a:p>
-            <a:endParaRPr kumimoji="1" lang="en-US" altLang="ko-KR" dirty="0"/>
-          </a:p>
-          <a:p>
-            <a:r>
-              <a:rPr kumimoji="1" lang="ko-KR" altLang="en-US" dirty="0"/>
-              <a:t>위에 언급한 모든 장치는 칩과 관계되고 </a:t>
-            </a:r>
-            <a:r>
-              <a:rPr kumimoji="1" lang="ko-KR" altLang="en-US" dirty="0" err="1"/>
-              <a:t>메모리와도</a:t>
-            </a:r>
-            <a:r>
-              <a:rPr kumimoji="1" lang="ko-KR" altLang="en-US" dirty="0"/>
-              <a:t> 관계되어 있어서 우리가 쉽게 생각하는 친숙한 </a:t>
-            </a:r>
-            <a:r>
-              <a:rPr kumimoji="1" lang="ko-KR" altLang="en-US" dirty="0" err="1"/>
-              <a:t>퍼스날</a:t>
-            </a:r>
-            <a:r>
-              <a:rPr kumimoji="1" lang="ko-KR" altLang="en-US" dirty="0"/>
-              <a:t> 컴퓨터와도 동일한 컴퓨터 기능을 보유하므로</a:t>
-            </a:r>
-            <a:r>
-              <a:rPr kumimoji="1" lang="en-US" altLang="ko-KR" dirty="0"/>
-              <a:t>, </a:t>
-            </a:r>
-            <a:r>
-              <a:rPr kumimoji="1" lang="ko-KR" altLang="en-US" dirty="0"/>
-              <a:t>컴퓨터로 분류할 수 있습니다</a:t>
-            </a:r>
-            <a:r>
-              <a:rPr kumimoji="1" lang="en-US" altLang="ko-KR" dirty="0"/>
-              <a:t>. </a:t>
-            </a:r>
-          </a:p>
-          <a:p>
-            <a:r>
-              <a:rPr kumimoji="1" lang="ko-KR" altLang="en-US" dirty="0"/>
-              <a:t>모두 컴퓨터로 인지하고 인식을 확인해 보시기 바랍니다 </a:t>
-            </a:r>
-          </a:p>
-        </p:txBody>
-      </p:sp>
-    </p:spTree>
-    <p:extLst>
-      <p:ext uri="{BB962C8B-B14F-4D97-AF65-F5344CB8AC3E}">
-        <p14:creationId xmlns:p14="http://schemas.microsoft.com/office/powerpoint/2010/main" val="907583620"/>
-      </p:ext>
-    </p:extLst>
-  </p:cSld>
-  <p:clrMapOvr>
-    <a:masterClrMapping/>
-  </p:clrMapOvr>
-</p:sld>
-</file>
-
-<file path=ppt/slides/slide21.xml><?xml version="1.0" encoding="utf-8"?>
-<p:sld xmlns:a="http://schemas.openxmlformats.org/drawingml/2006/main" xmlns:r="http://schemas.openxmlformats.org/officeDocument/2006/relationships" xmlns:p="http://schemas.openxmlformats.org/presentationml/2006/main">
-  <p:cSld>
-    <p:spTree>
-      <p:nvGrpSpPr>
-        <p:cNvPr id="1" name=""/>
-        <p:cNvGrpSpPr/>
-        <p:nvPr/>
-      </p:nvGrpSpPr>
-      <p:grpSpPr>
-        <a:xfrm>
-          <a:off x="0" y="0"/>
-          <a:ext cx="0" cy="0"/>
-          <a:chOff x="0" y="0"/>
-          <a:chExt cx="0" cy="0"/>
-        </a:xfrm>
-      </p:grpSpPr>
-      <p:sp>
-        <p:nvSpPr>
-          <p:cNvPr id="2" name="제목 1">
-            <a:extLst>
-              <a:ext uri="{FF2B5EF4-FFF2-40B4-BE49-F238E27FC236}">
-                <a16:creationId xmlns:a16="http://schemas.microsoft.com/office/drawing/2014/main" id="{4C2836CE-C402-0241-A9B9-F10AEED9E592}"/>
-              </a:ext>
-            </a:extLst>
-          </p:cNvPr>
-          <p:cNvSpPr>
-            <a:spLocks noGrp="1"/>
-          </p:cNvSpPr>
-          <p:nvPr>
-            <p:ph type="title"/>
-          </p:nvPr>
-        </p:nvSpPr>
-        <p:spPr/>
-        <p:txBody>
-          <a:bodyPr/>
-          <a:lstStyle/>
-          <a:p>
-            <a:r>
-              <a:rPr kumimoji="1" lang="en-US" altLang="ko-KR" dirty="0"/>
-              <a:t>ARM, ARMv64, MIPS, PPC???</a:t>
-            </a:r>
-            <a:endParaRPr kumimoji="1" lang="ko-KR" altLang="en-US" dirty="0"/>
-          </a:p>
-        </p:txBody>
-      </p:sp>
-      <p:sp>
-        <p:nvSpPr>
-          <p:cNvPr id="3" name="내용 개체 틀 2">
-            <a:extLst>
-              <a:ext uri="{FF2B5EF4-FFF2-40B4-BE49-F238E27FC236}">
-                <a16:creationId xmlns:a16="http://schemas.microsoft.com/office/drawing/2014/main" id="{211CD560-6C23-0E42-9EFB-B455E3D80D85}"/>
-              </a:ext>
-            </a:extLst>
-          </p:cNvPr>
-          <p:cNvSpPr>
-            <a:spLocks noGrp="1"/>
-          </p:cNvSpPr>
-          <p:nvPr>
-            <p:ph idx="1"/>
-          </p:nvPr>
-        </p:nvSpPr>
-        <p:spPr/>
-        <p:txBody>
-          <a:bodyPr/>
-          <a:lstStyle/>
-          <a:p>
-            <a:r>
-              <a:rPr kumimoji="1" lang="ko-KR" altLang="en-US" dirty="0"/>
-              <a:t>글쎄</a:t>
-            </a:r>
-            <a:r>
-              <a:rPr kumimoji="1" lang="en-US" altLang="ko-KR" dirty="0"/>
-              <a:t>,…</a:t>
-            </a:r>
-          </a:p>
-          <a:p>
-            <a:r>
-              <a:rPr kumimoji="1" lang="ko-KR" altLang="en-US" dirty="0" err="1"/>
-              <a:t>피시해킹이</a:t>
-            </a:r>
-            <a:r>
-              <a:rPr kumimoji="1" lang="ko-KR" altLang="en-US" dirty="0"/>
-              <a:t> </a:t>
-            </a:r>
-            <a:r>
-              <a:rPr kumimoji="1" lang="ko-KR" altLang="en-US" dirty="0" err="1"/>
-              <a:t>워낙에</a:t>
-            </a:r>
-            <a:r>
-              <a:rPr kumimoji="1" lang="ko-KR" altLang="en-US" dirty="0"/>
-              <a:t> </a:t>
-            </a:r>
-            <a:r>
-              <a:rPr kumimoji="1" lang="ko-KR" altLang="en-US" dirty="0" err="1"/>
-              <a:t>신기한게</a:t>
-            </a:r>
-            <a:r>
-              <a:rPr kumimoji="1" lang="ko-KR" altLang="en-US" dirty="0"/>
-              <a:t> 많아 할 게 많은데</a:t>
-            </a:r>
-            <a:endParaRPr kumimoji="1" lang="en-US" altLang="ko-KR" dirty="0"/>
-          </a:p>
-          <a:p>
-            <a:r>
-              <a:rPr kumimoji="1" lang="ko-KR" altLang="en-US" dirty="0" err="1"/>
-              <a:t>스미싱이라는</a:t>
-            </a:r>
-            <a:r>
-              <a:rPr kumimoji="1" lang="ko-KR" altLang="en-US" dirty="0"/>
-              <a:t> 스팸메일 보내서 악성코드 유도하는 링크나 뿌리는 </a:t>
-            </a:r>
-            <a:r>
-              <a:rPr kumimoji="1" lang="ko-KR" altLang="en-US" dirty="0" err="1"/>
-              <a:t>소셜공격하려고</a:t>
-            </a:r>
-            <a:r>
-              <a:rPr kumimoji="1" lang="ko-KR" altLang="en-US" dirty="0"/>
-              <a:t> </a:t>
-            </a:r>
-            <a:r>
-              <a:rPr kumimoji="1" lang="en-US" altLang="ko-KR" dirty="0"/>
-              <a:t>ARM</a:t>
-            </a:r>
-            <a:r>
-              <a:rPr kumimoji="1" lang="ko-KR" altLang="en-US" dirty="0"/>
-              <a:t>을 배우는 것도 아니고</a:t>
-            </a:r>
-            <a:r>
-              <a:rPr kumimoji="1" lang="en-US" altLang="ko-KR" dirty="0"/>
-              <a:t>, </a:t>
-            </a:r>
-            <a:r>
-              <a:rPr kumimoji="1" lang="ko-KR" altLang="en-US" dirty="0"/>
-              <a:t>글쎄요 게임기를 만들생각으로 해킹을 하는 </a:t>
-            </a:r>
-            <a:r>
-              <a:rPr kumimoji="1" lang="en-US" altLang="ko-KR" dirty="0"/>
-              <a:t>MIPS</a:t>
-            </a:r>
-            <a:r>
-              <a:rPr kumimoji="1" lang="ko-KR" altLang="en-US" dirty="0"/>
-              <a:t>도 </a:t>
-            </a:r>
-            <a:r>
-              <a:rPr kumimoji="1" lang="ko-KR" altLang="en-US" dirty="0" err="1"/>
-              <a:t>아니구요</a:t>
-            </a:r>
-            <a:r>
-              <a:rPr kumimoji="1" lang="en-US" altLang="ko-KR" dirty="0"/>
-              <a:t>. </a:t>
-            </a:r>
-            <a:r>
-              <a:rPr kumimoji="1" lang="ko-KR" altLang="en-US" dirty="0" err="1"/>
-              <a:t>파워피씨</a:t>
-            </a:r>
-            <a:r>
-              <a:rPr kumimoji="1" lang="ko-KR" altLang="en-US" dirty="0"/>
-              <a:t> 누가 쓰나요 문제로 인해 그거 왜 </a:t>
-            </a:r>
-            <a:r>
-              <a:rPr kumimoji="1" lang="ko-KR" altLang="en-US" dirty="0" err="1"/>
-              <a:t>배우는거지</a:t>
-            </a:r>
-            <a:r>
-              <a:rPr kumimoji="1" lang="en-US" altLang="ko-KR" dirty="0"/>
-              <a:t>?!</a:t>
-            </a:r>
-            <a:r>
-              <a:rPr kumimoji="1" lang="ko-KR" altLang="en-US" dirty="0" err="1"/>
-              <a:t>라는거구요</a:t>
-            </a:r>
-            <a:r>
-              <a:rPr kumimoji="1" lang="en-US" altLang="ko-KR" dirty="0"/>
-              <a:t>.</a:t>
-            </a:r>
-          </a:p>
-          <a:p>
-            <a:r>
-              <a:rPr kumimoji="1" lang="en-US" altLang="ko-KR" dirty="0"/>
-              <a:t>64</a:t>
-            </a:r>
-            <a:r>
-              <a:rPr kumimoji="1" lang="ko-KR" altLang="en-US" dirty="0" err="1"/>
-              <a:t>비트지원하는건</a:t>
-            </a:r>
-            <a:r>
-              <a:rPr kumimoji="1" lang="ko-KR" altLang="en-US" dirty="0"/>
-              <a:t> 참 잘됐네요</a:t>
-            </a:r>
-            <a:r>
-              <a:rPr kumimoji="1" lang="en-US" altLang="ko-KR" dirty="0"/>
-              <a:t>.</a:t>
-            </a:r>
-            <a:r>
-              <a:rPr kumimoji="1" lang="ko-KR" altLang="en-US" dirty="0" err="1"/>
-              <a:t>스마트장치에쓰이니까</a:t>
-            </a:r>
-            <a:r>
-              <a:rPr kumimoji="1" lang="en-US" altLang="ko-KR" dirty="0"/>
-              <a:t>.</a:t>
-            </a:r>
-          </a:p>
-          <a:p>
-            <a:r>
-              <a:rPr kumimoji="1" lang="ko-KR" altLang="en-US" dirty="0"/>
-              <a:t>개인적으로는 저는 </a:t>
-            </a:r>
-            <a:r>
-              <a:rPr kumimoji="1" lang="en-US" altLang="ko-KR" dirty="0"/>
-              <a:t>x86, x86 64</a:t>
-            </a:r>
-            <a:r>
-              <a:rPr kumimoji="1" lang="ko-KR" altLang="en-US" dirty="0"/>
-              <a:t>면 </a:t>
-            </a:r>
-            <a:r>
-              <a:rPr kumimoji="1" lang="ko-KR" altLang="en-US" dirty="0" err="1"/>
-              <a:t>된다입니다</a:t>
-            </a:r>
-            <a:r>
-              <a:rPr kumimoji="1" lang="en-US" altLang="ko-KR" dirty="0"/>
-              <a:t>.</a:t>
-            </a:r>
-          </a:p>
-          <a:p>
-            <a:r>
-              <a:rPr kumimoji="1" lang="en-US" altLang="ko-KR" dirty="0"/>
-              <a:t>ARM</a:t>
-            </a:r>
-            <a:r>
-              <a:rPr kumimoji="1" lang="ko-KR" altLang="en-US" dirty="0"/>
-              <a:t>반대합니다</a:t>
-            </a:r>
-            <a:r>
-              <a:rPr kumimoji="1" lang="en-US" altLang="ko-KR" dirty="0"/>
-              <a:t>. 1%</a:t>
-            </a:r>
-            <a:r>
-              <a:rPr kumimoji="1" lang="ko-KR" altLang="en-US" dirty="0"/>
-              <a:t>해커님들도 쓰지 마세요</a:t>
-            </a:r>
-          </a:p>
-        </p:txBody>
-      </p:sp>
-    </p:spTree>
-    <p:extLst>
-      <p:ext uri="{BB962C8B-B14F-4D97-AF65-F5344CB8AC3E}">
-        <p14:creationId xmlns:p14="http://schemas.microsoft.com/office/powerpoint/2010/main" val="2326582541"/>
-      </p:ext>
-    </p:extLst>
-  </p:cSld>
-  <p:clrMapOvr>
-    <a:masterClrMapping/>
-  </p:clrMapOvr>
-</p:sld>
-</file>
-
-<file path=ppt/slides/slide22.xml><?xml version="1.0" encoding="utf-8"?>
-<p:sld xmlns:a="http://schemas.openxmlformats.org/drawingml/2006/main" xmlns:r="http://schemas.openxmlformats.org/officeDocument/2006/relationships" xmlns:p="http://schemas.openxmlformats.org/presentationml/2006/main">
-  <p:cSld>
-    <p:spTree>
-      <p:nvGrpSpPr>
-        <p:cNvPr id="1" name=""/>
-        <p:cNvGrpSpPr/>
-        <p:nvPr/>
-      </p:nvGrpSpPr>
-      <p:grpSpPr>
-        <a:xfrm>
-          <a:off x="0" y="0"/>
-          <a:ext cx="0" cy="0"/>
-          <a:chOff x="0" y="0"/>
-          <a:chExt cx="0" cy="0"/>
-        </a:xfrm>
-      </p:grpSpPr>
-      <p:sp>
-        <p:nvSpPr>
-          <p:cNvPr id="2" name="제목 1">
-            <a:extLst>
-              <a:ext uri="{FF2B5EF4-FFF2-40B4-BE49-F238E27FC236}">
-                <a16:creationId xmlns:a16="http://schemas.microsoft.com/office/drawing/2014/main" id="{5153C83E-8BBB-4048-A10E-F91FF5884FC0}"/>
-              </a:ext>
-            </a:extLst>
-          </p:cNvPr>
-          <p:cNvSpPr>
-            <a:spLocks noGrp="1"/>
-          </p:cNvSpPr>
-          <p:nvPr>
-            <p:ph type="title"/>
-          </p:nvPr>
-        </p:nvSpPr>
-        <p:spPr/>
-        <p:txBody>
-          <a:bodyPr/>
-          <a:lstStyle/>
-          <a:p>
-            <a:r>
-              <a:rPr kumimoji="1" lang="ko-KR" altLang="en-US" dirty="0" err="1"/>
-              <a:t>책저작에</a:t>
-            </a:r>
-            <a:r>
-              <a:rPr kumimoji="1" lang="ko-KR" altLang="en-US" dirty="0"/>
-              <a:t> 관해서</a:t>
-            </a:r>
-            <a:r>
-              <a:rPr kumimoji="1" lang="en-US" altLang="ko-KR" dirty="0"/>
-              <a:t>,.</a:t>
-            </a:r>
-            <a:endParaRPr kumimoji="1" lang="ko-KR" altLang="en-US" dirty="0"/>
-          </a:p>
-        </p:txBody>
-      </p:sp>
-      <p:sp>
-        <p:nvSpPr>
-          <p:cNvPr id="3" name="내용 개체 틀 2">
-            <a:extLst>
-              <a:ext uri="{FF2B5EF4-FFF2-40B4-BE49-F238E27FC236}">
-                <a16:creationId xmlns:a16="http://schemas.microsoft.com/office/drawing/2014/main" id="{B88E4605-C159-444B-8C72-851562D054A1}"/>
-              </a:ext>
-            </a:extLst>
-          </p:cNvPr>
-          <p:cNvSpPr>
-            <a:spLocks noGrp="1"/>
-          </p:cNvSpPr>
-          <p:nvPr>
-            <p:ph idx="1"/>
-          </p:nvPr>
-        </p:nvSpPr>
-        <p:spPr/>
-        <p:txBody>
-          <a:bodyPr>
-            <a:normAutofit/>
-          </a:bodyPr>
-          <a:lstStyle/>
-          <a:p>
-            <a:r>
-              <a:rPr kumimoji="1" lang="ko-KR" altLang="en-US" sz="2400" dirty="0"/>
-              <a:t>제가 제작하려는 책은 공개한 내용을 모아서 보충 설명하면서 한권의 </a:t>
-            </a:r>
-            <a:r>
-              <a:rPr kumimoji="1" lang="en-US" altLang="ko-KR" sz="2400" dirty="0"/>
-              <a:t>300</a:t>
-            </a:r>
-            <a:r>
-              <a:rPr kumimoji="1" lang="ko-KR" altLang="en-US" sz="2400" dirty="0"/>
-              <a:t>페이지가 되는 딱 정확히 </a:t>
-            </a:r>
-            <a:r>
-              <a:rPr kumimoji="1" lang="en-US" altLang="ko-KR" sz="2400" b="1" dirty="0"/>
-              <a:t>300</a:t>
-            </a:r>
-            <a:r>
-              <a:rPr kumimoji="1" lang="ko-KR" altLang="en-US" sz="2400" b="1" dirty="0"/>
-              <a:t>페이지의 </a:t>
-            </a:r>
-            <a:r>
-              <a:rPr kumimoji="1" lang="en-US" altLang="ko-KR" sz="2400" b="1" dirty="0"/>
-              <a:t>A4</a:t>
-            </a:r>
-            <a:r>
-              <a:rPr kumimoji="1" lang="ko-KR" altLang="en-US" sz="2400" b="1" dirty="0"/>
-              <a:t>용지에 검은 글자로 흑백 인쇄된 그림을 포함하는게 적은 책</a:t>
-            </a:r>
-            <a:r>
-              <a:rPr kumimoji="1" lang="ko-KR" altLang="en-US" sz="2400" dirty="0"/>
-              <a:t>입니다</a:t>
-            </a:r>
-            <a:r>
-              <a:rPr kumimoji="1" lang="en-US" altLang="ko-KR" sz="2400" dirty="0"/>
-              <a:t>.</a:t>
-            </a:r>
-          </a:p>
-          <a:p>
-            <a:endParaRPr kumimoji="1" lang="en-US" altLang="ko-KR" sz="2400" dirty="0"/>
-          </a:p>
-          <a:p>
-            <a:r>
-              <a:rPr kumimoji="1" lang="ko-KR" altLang="en-US" sz="2400" dirty="0"/>
-              <a:t>표지는 </a:t>
-            </a:r>
-            <a:r>
-              <a:rPr kumimoji="1" lang="ko-KR" altLang="en-US" sz="2400" dirty="0" err="1"/>
-              <a:t>칼라구요</a:t>
-            </a:r>
-            <a:r>
-              <a:rPr kumimoji="1" lang="en-US" altLang="ko-KR" sz="2400" dirty="0"/>
-              <a:t>.</a:t>
-            </a:r>
-          </a:p>
-          <a:p>
-            <a:r>
-              <a:rPr kumimoji="1" lang="ko-KR" altLang="en-US" sz="2400" b="1" dirty="0"/>
-              <a:t>비용은 </a:t>
-            </a:r>
-            <a:r>
-              <a:rPr kumimoji="1" lang="en-US" altLang="ko-KR" sz="2400" b="1" dirty="0"/>
-              <a:t>50</a:t>
-            </a:r>
-            <a:r>
-              <a:rPr kumimoji="1" lang="ko-KR" altLang="en-US" sz="2400" b="1" dirty="0"/>
-              <a:t>만원</a:t>
-            </a:r>
-            <a:r>
-              <a:rPr kumimoji="1" lang="ko-KR" altLang="en-US" sz="2400" dirty="0"/>
-              <a:t>입니다</a:t>
-            </a:r>
-            <a:r>
-              <a:rPr kumimoji="1" lang="en-US" altLang="ko-KR" sz="2400" dirty="0"/>
-              <a:t>. </a:t>
-            </a:r>
-            <a:r>
-              <a:rPr kumimoji="1" lang="ko-KR" altLang="en-US" sz="2400" dirty="0"/>
-              <a:t>이 정도 책은 그렇게 저작했을 때 그만큼 받거든요</a:t>
-            </a:r>
-            <a:r>
-              <a:rPr kumimoji="1" lang="en-US" altLang="ko-KR" sz="2400" dirty="0"/>
-              <a:t>? </a:t>
-            </a:r>
-            <a:r>
-              <a:rPr kumimoji="1" lang="ko-KR" altLang="en-US" sz="2400" dirty="0"/>
-              <a:t>네 </a:t>
-            </a:r>
-            <a:r>
-              <a:rPr kumimoji="1" lang="ko-KR" altLang="en-US" sz="2400" dirty="0" err="1"/>
-              <a:t>권당입니다</a:t>
-            </a:r>
-            <a:r>
-              <a:rPr kumimoji="1" lang="en-US" altLang="ko-KR" sz="2400" dirty="0"/>
-              <a:t>.</a:t>
-            </a:r>
-          </a:p>
-          <a:p>
-            <a:r>
-              <a:rPr kumimoji="1" lang="ko-KR" altLang="en-US" sz="2400" dirty="0" err="1"/>
-              <a:t>어디서도찾아보기힘든자료니까요</a:t>
-            </a:r>
-            <a:r>
-              <a:rPr kumimoji="1" lang="en-US" altLang="ko-KR" sz="2400" dirty="0"/>
-              <a:t>. </a:t>
-            </a:r>
-            <a:r>
-              <a:rPr kumimoji="1" lang="ko-KR" altLang="en-US" sz="2400" b="1" dirty="0" err="1"/>
-              <a:t>읽는데는</a:t>
-            </a:r>
-            <a:r>
-              <a:rPr kumimoji="1" lang="ko-KR" altLang="en-US" sz="2400" b="1" dirty="0"/>
-              <a:t> </a:t>
-            </a:r>
-            <a:r>
-              <a:rPr kumimoji="1" lang="en-US" altLang="ko-KR" sz="2400" b="1" dirty="0"/>
-              <a:t>2</a:t>
-            </a:r>
-            <a:r>
-              <a:rPr kumimoji="1" lang="ko-KR" altLang="en-US" sz="2400" b="1" dirty="0"/>
-              <a:t>분에서 </a:t>
-            </a:r>
-            <a:r>
-              <a:rPr kumimoji="1" lang="en-US" altLang="ko-KR" sz="2400" b="1" dirty="0"/>
-              <a:t>2</a:t>
-            </a:r>
-            <a:r>
-              <a:rPr kumimoji="1" lang="ko-KR" altLang="en-US" sz="2400" b="1" dirty="0"/>
-              <a:t>시간 </a:t>
-            </a:r>
-            <a:r>
-              <a:rPr kumimoji="1" lang="ko-KR" altLang="en-US" sz="2400" dirty="0" err="1"/>
-              <a:t>걸리실텐데</a:t>
-            </a:r>
-            <a:r>
-              <a:rPr kumimoji="1" lang="en-US" altLang="ko-KR" sz="2400" dirty="0"/>
-              <a:t>, </a:t>
-            </a:r>
-            <a:r>
-              <a:rPr kumimoji="1" lang="ko-KR" altLang="en-US" sz="2400" dirty="0"/>
-              <a:t>다시 </a:t>
-            </a:r>
-            <a:r>
-              <a:rPr kumimoji="1" lang="ko-KR" altLang="en-US" sz="2400" dirty="0" err="1"/>
-              <a:t>찾아보셔도</a:t>
-            </a:r>
-            <a:r>
-              <a:rPr kumimoji="1" lang="ko-KR" altLang="en-US" sz="2400" dirty="0"/>
-              <a:t> 맞는 말로 되어 있어서 </a:t>
-            </a:r>
-            <a:r>
-              <a:rPr kumimoji="1" lang="ko-KR" altLang="en-US" sz="2400" dirty="0" err="1"/>
-              <a:t>키디를</a:t>
-            </a:r>
-            <a:r>
-              <a:rPr kumimoji="1" lang="ko-KR" altLang="en-US" sz="2400" dirty="0"/>
-              <a:t> 느끼지 않으실 겁니다</a:t>
-            </a:r>
-            <a:r>
-              <a:rPr kumimoji="1" lang="en-US" altLang="ko-KR" sz="2400" dirty="0"/>
-              <a:t>. </a:t>
-            </a:r>
-            <a:r>
-              <a:rPr kumimoji="1" lang="ko-KR" altLang="en-US" sz="2400" dirty="0" err="1"/>
-              <a:t>못느끼니까</a:t>
-            </a:r>
-            <a:r>
-              <a:rPr kumimoji="1" lang="ko-KR" altLang="en-US" sz="2400" dirty="0"/>
-              <a:t> 키드가 아니다</a:t>
-            </a:r>
-            <a:r>
-              <a:rPr kumimoji="1" lang="en-US" altLang="ko-KR" sz="2400" dirty="0"/>
-              <a:t>!</a:t>
-            </a:r>
-          </a:p>
-          <a:p>
-            <a:r>
-              <a:rPr kumimoji="1" lang="ko-KR" altLang="en-US" sz="2400" dirty="0"/>
-              <a:t>감사</a:t>
-            </a:r>
-            <a:r>
-              <a:rPr kumimoji="1" lang="en-US" altLang="ko-KR" sz="2400" dirty="0"/>
-              <a:t>! </a:t>
-            </a:r>
-            <a:endParaRPr kumimoji="1" lang="ko-KR" altLang="en-US" sz="2400" dirty="0"/>
-          </a:p>
-        </p:txBody>
-      </p:sp>
-    </p:spTree>
-    <p:extLst>
-      <p:ext uri="{BB962C8B-B14F-4D97-AF65-F5344CB8AC3E}">
-        <p14:creationId xmlns:p14="http://schemas.microsoft.com/office/powerpoint/2010/main" val="1713644790"/>
-      </p:ext>
-    </p:extLst>
-  </p:cSld>
-  <p:clrMapOvr>
-    <a:masterClrMapping/>
-  </p:clrMapOvr>
-</p:sld>
-</file>
-
-<file path=ppt/slides/slide3.xml><?xml version="1.0" encoding="utf-8"?>
+<file path=ppt/slides/slide4.xml><?xml version="1.0" encoding="utf-8"?>
 <p:sld xmlns:a="http://schemas.openxmlformats.org/drawingml/2006/main" xmlns:r="http://schemas.openxmlformats.org/officeDocument/2006/relationships" xmlns:p="http://schemas.openxmlformats.org/presentationml/2006/main">
   <p:cSld>
     <p:spTree>
@@ -8791,7 +9570,7 @@
 </p:sld>
 </file>
 
-<file path=ppt/slides/slide4.xml><?xml version="1.0" encoding="utf-8"?>
+<file path=ppt/slides/slide5.xml><?xml version="1.0" encoding="utf-8"?>
 <p:sld xmlns:a="http://schemas.openxmlformats.org/drawingml/2006/main" xmlns:r="http://schemas.openxmlformats.org/officeDocument/2006/relationships" xmlns:p="http://schemas.openxmlformats.org/presentationml/2006/main">
   <p:cSld>
     <p:spTree>
@@ -9314,7 +10093,7 @@
 </p:sld>
 </file>
 
-<file path=ppt/slides/slide5.xml><?xml version="1.0" encoding="utf-8"?>
+<file path=ppt/slides/slide6.xml><?xml version="1.0" encoding="utf-8"?>
 <p:sld xmlns:a="http://schemas.openxmlformats.org/drawingml/2006/main" xmlns:r="http://schemas.openxmlformats.org/officeDocument/2006/relationships" xmlns:p="http://schemas.openxmlformats.org/presentationml/2006/main">
   <p:cSld>
     <p:spTree>
@@ -9515,7 +10294,7 @@
 </p:sld>
 </file>
 
-<file path=ppt/slides/slide6.xml><?xml version="1.0" encoding="utf-8"?>
+<file path=ppt/slides/slide7.xml><?xml version="1.0" encoding="utf-8"?>
 <p:sld xmlns:a="http://schemas.openxmlformats.org/drawingml/2006/main" xmlns:r="http://schemas.openxmlformats.org/officeDocument/2006/relationships" xmlns:p="http://schemas.openxmlformats.org/presentationml/2006/main">
   <p:cSld>
     <p:spTree>
@@ -9878,7 +10657,7 @@
 </p:sld>
 </file>
 
-<file path=ppt/slides/slide7.xml><?xml version="1.0" encoding="utf-8"?>
+<file path=ppt/slides/slide8.xml><?xml version="1.0" encoding="utf-8"?>
 <p:sld xmlns:a="http://schemas.openxmlformats.org/drawingml/2006/main" xmlns:r="http://schemas.openxmlformats.org/officeDocument/2006/relationships" xmlns:p="http://schemas.openxmlformats.org/presentationml/2006/main">
   <p:cSld>
     <p:spTree>
@@ -10363,7 +11142,7 @@
 </p:sld>
 </file>
 
-<file path=ppt/slides/slide8.xml><?xml version="1.0" encoding="utf-8"?>
+<file path=ppt/slides/slide9.xml><?xml version="1.0" encoding="utf-8"?>
 <p:sld xmlns:a="http://schemas.openxmlformats.org/drawingml/2006/main" xmlns:r="http://schemas.openxmlformats.org/officeDocument/2006/relationships" xmlns:p="http://schemas.openxmlformats.org/presentationml/2006/main">
   <p:cSld>
     <p:spTree>
@@ -10744,252 +11523,6 @@
     <p:extLst>
       <p:ext uri="{BB962C8B-B14F-4D97-AF65-F5344CB8AC3E}">
         <p14:creationId xmlns:p14="http://schemas.microsoft.com/office/powerpoint/2010/main" val="819398028"/>
-      </p:ext>
-    </p:extLst>
-  </p:cSld>
-  <p:clrMapOvr>
-    <a:masterClrMapping/>
-  </p:clrMapOvr>
-</p:sld>
-</file>
-
-<file path=ppt/slides/slide9.xml><?xml version="1.0" encoding="utf-8"?>
-<p:sld xmlns:a="http://schemas.openxmlformats.org/drawingml/2006/main" xmlns:r="http://schemas.openxmlformats.org/officeDocument/2006/relationships" xmlns:p="http://schemas.openxmlformats.org/presentationml/2006/main">
-  <p:cSld>
-    <p:spTree>
-      <p:nvGrpSpPr>
-        <p:cNvPr id="1" name=""/>
-        <p:cNvGrpSpPr/>
-        <p:nvPr/>
-      </p:nvGrpSpPr>
-      <p:grpSpPr>
-        <a:xfrm>
-          <a:off x="0" y="0"/>
-          <a:ext cx="0" cy="0"/>
-          <a:chOff x="0" y="0"/>
-          <a:chExt cx="0" cy="0"/>
-        </a:xfrm>
-      </p:grpSpPr>
-      <p:sp>
-        <p:nvSpPr>
-          <p:cNvPr id="2" name="제목 1">
-            <a:extLst>
-              <a:ext uri="{FF2B5EF4-FFF2-40B4-BE49-F238E27FC236}">
-                <a16:creationId xmlns:a16="http://schemas.microsoft.com/office/drawing/2014/main" id="{978046A0-34A6-7F48-BD1D-A3A3D5EB3067}"/>
-              </a:ext>
-            </a:extLst>
-          </p:cNvPr>
-          <p:cNvSpPr>
-            <a:spLocks noGrp="1"/>
-          </p:cNvSpPr>
-          <p:nvPr>
-            <p:ph type="title"/>
-          </p:nvPr>
-        </p:nvSpPr>
-        <p:spPr/>
-        <p:txBody>
-          <a:bodyPr/>
-          <a:lstStyle/>
-          <a:p>
-            <a:r>
-              <a:rPr kumimoji="1" lang="ko-KR" altLang="en-US" dirty="0"/>
-              <a:t>해커는 친구보다는 해킹이다</a:t>
-            </a:r>
-            <a:r>
-              <a:rPr kumimoji="1" lang="en-US" altLang="ko-KR" dirty="0"/>
-              <a:t>:</a:t>
-            </a:r>
-            <a:br>
-              <a:rPr kumimoji="1" lang="en-US" altLang="ko-KR" dirty="0"/>
-            </a:br>
-            <a:r>
-              <a:rPr kumimoji="1" lang="ko-KR" altLang="en-US" dirty="0"/>
-              <a:t>해커친구사귀기</a:t>
-            </a:r>
-          </a:p>
-        </p:txBody>
-      </p:sp>
-      <p:sp>
-        <p:nvSpPr>
-          <p:cNvPr id="3" name="내용 개체 틀 2">
-            <a:extLst>
-              <a:ext uri="{FF2B5EF4-FFF2-40B4-BE49-F238E27FC236}">
-                <a16:creationId xmlns:a16="http://schemas.microsoft.com/office/drawing/2014/main" id="{5B8E23CA-5A5E-B842-AD3D-5F83794B04F1}"/>
-              </a:ext>
-            </a:extLst>
-          </p:cNvPr>
-          <p:cNvSpPr>
-            <a:spLocks noGrp="1"/>
-          </p:cNvSpPr>
-          <p:nvPr>
-            <p:ph idx="1"/>
-          </p:nvPr>
-        </p:nvSpPr>
-        <p:spPr/>
-        <p:txBody>
-          <a:bodyPr>
-            <a:normAutofit fontScale="92500" lnSpcReduction="10000"/>
-          </a:bodyPr>
-          <a:lstStyle/>
-          <a:p>
-            <a:r>
-              <a:rPr kumimoji="1" lang="ko-KR" altLang="en-US" dirty="0" err="1"/>
-              <a:t>외국해커들은실력이꽝입니다</a:t>
-            </a:r>
-            <a:r>
-              <a:rPr kumimoji="1" lang="en-US" altLang="ko-KR" dirty="0"/>
-              <a:t>.</a:t>
-            </a:r>
-          </a:p>
-          <a:p>
-            <a:r>
-              <a:rPr kumimoji="1" lang="ko-KR" altLang="en-US" dirty="0" err="1"/>
-              <a:t>네트웍상에</a:t>
-            </a:r>
-            <a:r>
-              <a:rPr kumimoji="1" lang="ko-KR" altLang="en-US" dirty="0"/>
-              <a:t> 있는 팀은 미국의 </a:t>
-            </a:r>
-            <a:r>
-              <a:rPr kumimoji="1" lang="en-US" altLang="ko-KR" dirty="0" err="1"/>
-              <a:t>ppp</a:t>
-            </a:r>
-            <a:r>
-              <a:rPr kumimoji="1" lang="ko-KR" altLang="en-US" dirty="0"/>
-              <a:t>정도인데</a:t>
-            </a:r>
-            <a:r>
-              <a:rPr kumimoji="1" lang="en-US" altLang="ko-KR" dirty="0"/>
-              <a:t>,</a:t>
-            </a:r>
-            <a:r>
-              <a:rPr kumimoji="1" lang="ko-KR" altLang="en-US" dirty="0"/>
-              <a:t> 이건 완전히 </a:t>
-            </a:r>
-            <a:r>
-              <a:rPr kumimoji="1" lang="ko-KR" altLang="en-US" dirty="0" err="1"/>
-              <a:t>해킹팀입니다</a:t>
-            </a:r>
-            <a:r>
-              <a:rPr kumimoji="1" lang="en-US" altLang="ko-KR" dirty="0"/>
-              <a:t>.</a:t>
-            </a:r>
-            <a:r>
-              <a:rPr kumimoji="1" lang="ko-KR" altLang="en-US" dirty="0"/>
-              <a:t> 예 모의해킹을 하려고 사업체를 </a:t>
-            </a:r>
-            <a:r>
-              <a:rPr kumimoji="1" lang="ko-KR" altLang="en-US" dirty="0" err="1"/>
-              <a:t>만들정도의</a:t>
-            </a:r>
-            <a:r>
-              <a:rPr kumimoji="1" lang="ko-KR" altLang="en-US" dirty="0"/>
-              <a:t> 업체적문제로 커리어로 인한 모의해킹을 하는 </a:t>
-            </a:r>
-            <a:r>
-              <a:rPr kumimoji="1" lang="ko-KR" altLang="en-US" dirty="0" err="1"/>
-              <a:t>분들이저</a:t>
-            </a:r>
-            <a:r>
-              <a:rPr kumimoji="1" lang="en-US" altLang="ko-KR" dirty="0"/>
-              <a:t>.</a:t>
-            </a:r>
-          </a:p>
-          <a:p>
-            <a:endParaRPr kumimoji="1" lang="en-US" altLang="ko-KR" dirty="0"/>
-          </a:p>
-          <a:p>
-            <a:r>
-              <a:rPr kumimoji="1" lang="ko-KR" altLang="en-US" dirty="0"/>
-              <a:t>여러분들은 해커를 직업으로 하기에는 무리라고 봅니다</a:t>
-            </a:r>
-            <a:r>
-              <a:rPr kumimoji="1" lang="en-US" altLang="ko-KR" dirty="0"/>
-              <a:t>.</a:t>
-            </a:r>
-          </a:p>
-          <a:p>
-            <a:r>
-              <a:rPr kumimoji="1" lang="ko-KR" altLang="en-US" dirty="0"/>
-              <a:t>저는 유명인이어서 책 저작을 하는 거구요</a:t>
-            </a:r>
-            <a:r>
-              <a:rPr kumimoji="1" lang="en-US" altLang="ko-KR" dirty="0"/>
-              <a:t>.</a:t>
-            </a:r>
-          </a:p>
-          <a:p>
-            <a:r>
-              <a:rPr kumimoji="1" lang="ko-KR" altLang="en-US" dirty="0"/>
-              <a:t>돈보다는 </a:t>
-            </a:r>
-            <a:r>
-              <a:rPr kumimoji="1" lang="ko-KR" altLang="en-US" dirty="0" err="1"/>
-              <a:t>명예고</a:t>
-            </a:r>
-            <a:r>
-              <a:rPr kumimoji="1" lang="en-US" altLang="ko-KR" dirty="0"/>
-              <a:t>,</a:t>
-            </a:r>
-            <a:r>
-              <a:rPr kumimoji="1" lang="ko-KR" altLang="en-US" dirty="0"/>
-              <a:t> 명예보다는 </a:t>
-            </a:r>
-            <a:r>
-              <a:rPr kumimoji="1" lang="ko-KR" altLang="en-US" sz="3000" dirty="0"/>
-              <a:t>실력</a:t>
-            </a:r>
-            <a:r>
-              <a:rPr kumimoji="1" lang="ko-KR" altLang="en-US" dirty="0"/>
-              <a:t>입니다</a:t>
-            </a:r>
-            <a:r>
-              <a:rPr kumimoji="1" lang="en-US" altLang="ko-KR" dirty="0"/>
-              <a:t>.</a:t>
-            </a:r>
-          </a:p>
-          <a:p>
-            <a:r>
-              <a:rPr kumimoji="1" lang="ko-KR" altLang="en-US" dirty="0" err="1"/>
-              <a:t>아셔쓰면</a:t>
-            </a:r>
-            <a:r>
-              <a:rPr kumimoji="1" lang="ko-KR" altLang="en-US" dirty="0"/>
-              <a:t> 해요</a:t>
-            </a:r>
-            <a:r>
-              <a:rPr kumimoji="1" lang="en-US" altLang="ko-KR" dirty="0"/>
-              <a:t>~</a:t>
-            </a:r>
-            <a:r>
-              <a:rPr kumimoji="1" lang="ko-KR" altLang="en-US" dirty="0"/>
-              <a:t> 여러분은 좋은 모습으로 살고 </a:t>
-            </a:r>
-            <a:r>
-              <a:rPr kumimoji="1" lang="ko-KR" altLang="en-US" dirty="0" err="1"/>
-              <a:t>싶으신거라면요</a:t>
-            </a:r>
-            <a:r>
-              <a:rPr kumimoji="1" lang="en-US" altLang="ko-KR" dirty="0"/>
-              <a:t>?</a:t>
-            </a:r>
-          </a:p>
-          <a:p>
-            <a:r>
-              <a:rPr kumimoji="1" lang="ko-KR" altLang="en-US" dirty="0"/>
-              <a:t>예</a:t>
-            </a:r>
-            <a:endParaRPr kumimoji="1" lang="en-US" altLang="ko-KR" dirty="0"/>
-          </a:p>
-          <a:p>
-            <a:endParaRPr kumimoji="1" lang="ko-KR" altLang="en-US" dirty="0"/>
-          </a:p>
-        </p:txBody>
-      </p:sp>
-    </p:spTree>
-    <p:extLst>
-      <p:ext uri="{BB962C8B-B14F-4D97-AF65-F5344CB8AC3E}">
-        <p14:creationId xmlns:p14="http://schemas.microsoft.com/office/powerpoint/2010/main" val="2473582498"/>
       </p:ext>
     </p:extLst>
   </p:cSld>
